--- a/docs/presentation.pptx
+++ b/docs/presentation.pptx
@@ -5,7 +5,7 @@
     <p:sldMasterId id="2147483648" r:id="rId1"/>
   </p:sldMasterIdLst>
   <p:notesMasterIdLst>
-    <p:notesMasterId r:id="rId40"/>
+    <p:notesMasterId r:id="rId43"/>
   </p:notesMasterIdLst>
   <p:sldIdLst>
     <p:sldId id="256" r:id="rId2"/>
@@ -19,33 +19,36 @@
     <p:sldId id="323" r:id="rId10"/>
     <p:sldId id="322" r:id="rId11"/>
     <p:sldId id="325" r:id="rId12"/>
-    <p:sldId id="335" r:id="rId13"/>
-    <p:sldId id="324" r:id="rId14"/>
-    <p:sldId id="300" r:id="rId15"/>
-    <p:sldId id="326" r:id="rId16"/>
-    <p:sldId id="331" r:id="rId17"/>
-    <p:sldId id="332" r:id="rId18"/>
-    <p:sldId id="327" r:id="rId19"/>
-    <p:sldId id="333" r:id="rId20"/>
-    <p:sldId id="334" r:id="rId21"/>
-    <p:sldId id="328" r:id="rId22"/>
-    <p:sldId id="329" r:id="rId23"/>
-    <p:sldId id="319" r:id="rId24"/>
-    <p:sldId id="336" r:id="rId25"/>
-    <p:sldId id="337" r:id="rId26"/>
-    <p:sldId id="339" r:id="rId27"/>
-    <p:sldId id="338" r:id="rId28"/>
-    <p:sldId id="340" r:id="rId29"/>
-    <p:sldId id="320" r:id="rId30"/>
-    <p:sldId id="345" r:id="rId31"/>
-    <p:sldId id="348" r:id="rId32"/>
-    <p:sldId id="346" r:id="rId33"/>
-    <p:sldId id="343" r:id="rId34"/>
-    <p:sldId id="342" r:id="rId35"/>
-    <p:sldId id="347" r:id="rId36"/>
-    <p:sldId id="330" r:id="rId37"/>
-    <p:sldId id="349" r:id="rId38"/>
-    <p:sldId id="268" r:id="rId39"/>
+    <p:sldId id="350" r:id="rId13"/>
+    <p:sldId id="335" r:id="rId14"/>
+    <p:sldId id="324" r:id="rId15"/>
+    <p:sldId id="300" r:id="rId16"/>
+    <p:sldId id="326" r:id="rId17"/>
+    <p:sldId id="331" r:id="rId18"/>
+    <p:sldId id="332" r:id="rId19"/>
+    <p:sldId id="327" r:id="rId20"/>
+    <p:sldId id="333" r:id="rId21"/>
+    <p:sldId id="334" r:id="rId22"/>
+    <p:sldId id="328" r:id="rId23"/>
+    <p:sldId id="329" r:id="rId24"/>
+    <p:sldId id="319" r:id="rId25"/>
+    <p:sldId id="336" r:id="rId26"/>
+    <p:sldId id="337" r:id="rId27"/>
+    <p:sldId id="339" r:id="rId28"/>
+    <p:sldId id="338" r:id="rId29"/>
+    <p:sldId id="351" r:id="rId30"/>
+    <p:sldId id="340" r:id="rId31"/>
+    <p:sldId id="320" r:id="rId32"/>
+    <p:sldId id="345" r:id="rId33"/>
+    <p:sldId id="348" r:id="rId34"/>
+    <p:sldId id="346" r:id="rId35"/>
+    <p:sldId id="343" r:id="rId36"/>
+    <p:sldId id="342" r:id="rId37"/>
+    <p:sldId id="347" r:id="rId38"/>
+    <p:sldId id="330" r:id="rId39"/>
+    <p:sldId id="349" r:id="rId40"/>
+    <p:sldId id="352" r:id="rId41"/>
+    <p:sldId id="268" r:id="rId42"/>
   </p:sldIdLst>
   <p:sldSz cx="12192000" cy="6858000"/>
   <p:notesSz cx="6858000" cy="9144000"/>
@@ -739,6 +742,30 @@
     </pc:docChg>
   </pc:docChgLst>
   <pc:docChgLst>
+    <pc:chgData name="Usuario invitado" userId="S::urn:spo:anon#2c30cfbe2116f68bd0b7909a3371aa6a4808241592f1929202b7db3033387f6e::" providerId="AD" clId="Web-{79FD4C3E-4762-0F83-A64A-753796100053}"/>
+    <pc:docChg chg="addSld delSld modSld">
+      <pc:chgData name="Usuario invitado" userId="S::urn:spo:anon#2c30cfbe2116f68bd0b7909a3371aa6a4808241592f1929202b7db3033387f6e::" providerId="AD" clId="Web-{79FD4C3E-4762-0F83-A64A-753796100053}" dt="2021-10-18T12:34:12.603" v="13"/>
+      <pc:docMkLst>
+        <pc:docMk/>
+      </pc:docMkLst>
+      <pc:sldChg chg="modSp new del">
+        <pc:chgData name="Usuario invitado" userId="S::urn:spo:anon#2c30cfbe2116f68bd0b7909a3371aa6a4808241592f1929202b7db3033387f6e::" providerId="AD" clId="Web-{79FD4C3E-4762-0F83-A64A-753796100053}" dt="2021-10-18T12:34:12.603" v="13"/>
+        <pc:sldMkLst>
+          <pc:docMk/>
+          <pc:sldMk cId="519011876" sldId="266"/>
+        </pc:sldMkLst>
+        <pc:spChg chg="mod">
+          <ac:chgData name="Usuario invitado" userId="S::urn:spo:anon#2c30cfbe2116f68bd0b7909a3371aa6a4808241592f1929202b7db3033387f6e::" providerId="AD" clId="Web-{79FD4C3E-4762-0F83-A64A-753796100053}" dt="2021-10-18T12:34:09.759" v="12" actId="20577"/>
+          <ac:spMkLst>
+            <pc:docMk/>
+            <pc:sldMk cId="519011876" sldId="266"/>
+            <ac:spMk id="2" creationId="{0F69ACFC-ED47-4D13-8719-A82B657CF582}"/>
+          </ac:spMkLst>
+        </pc:spChg>
+      </pc:sldChg>
+    </pc:docChg>
+  </pc:docChgLst>
+  <pc:docChgLst>
     <pc:chgData name="Carnelos Matteo" userId="4d1f2c7a-075b-4e0b-a721-f8cbe756af02" providerId="ADAL" clId="{0C4E27FC-788E-1045-94BD-57F91AD2624F}"/>
     <pc:docChg chg="undo redo custSel addSld delSld modSld modMainMaster">
       <pc:chgData name="Carnelos Matteo" userId="4d1f2c7a-075b-4e0b-a721-f8cbe756af02" providerId="ADAL" clId="{0C4E27FC-788E-1045-94BD-57F91AD2624F}" dt="2021-10-18T15:41:33.945" v="2388" actId="20577"/>
@@ -1333,30 +1360,6 @@
       </pc:sldMasterChg>
     </pc:docChg>
   </pc:docChgLst>
-  <pc:docChgLst>
-    <pc:chgData name="Usuario invitado" userId="S::urn:spo:anon#2c30cfbe2116f68bd0b7909a3371aa6a4808241592f1929202b7db3033387f6e::" providerId="AD" clId="Web-{79FD4C3E-4762-0F83-A64A-753796100053}"/>
-    <pc:docChg chg="addSld delSld modSld">
-      <pc:chgData name="Usuario invitado" userId="S::urn:spo:anon#2c30cfbe2116f68bd0b7909a3371aa6a4808241592f1929202b7db3033387f6e::" providerId="AD" clId="Web-{79FD4C3E-4762-0F83-A64A-753796100053}" dt="2021-10-18T12:34:12.603" v="13"/>
-      <pc:docMkLst>
-        <pc:docMk/>
-      </pc:docMkLst>
-      <pc:sldChg chg="modSp new del">
-        <pc:chgData name="Usuario invitado" userId="S::urn:spo:anon#2c30cfbe2116f68bd0b7909a3371aa6a4808241592f1929202b7db3033387f6e::" providerId="AD" clId="Web-{79FD4C3E-4762-0F83-A64A-753796100053}" dt="2021-10-18T12:34:12.603" v="13"/>
-        <pc:sldMkLst>
-          <pc:docMk/>
-          <pc:sldMk cId="519011876" sldId="266"/>
-        </pc:sldMkLst>
-        <pc:spChg chg="mod">
-          <ac:chgData name="Usuario invitado" userId="S::urn:spo:anon#2c30cfbe2116f68bd0b7909a3371aa6a4808241592f1929202b7db3033387f6e::" providerId="AD" clId="Web-{79FD4C3E-4762-0F83-A64A-753796100053}" dt="2021-10-18T12:34:09.759" v="12" actId="20577"/>
-          <ac:spMkLst>
-            <pc:docMk/>
-            <pc:sldMk cId="519011876" sldId="266"/>
-            <ac:spMk id="2" creationId="{0F69ACFC-ED47-4D13-8719-A82B657CF582}"/>
-          </ac:spMkLst>
-        </pc:spChg>
-      </pc:sldChg>
-    </pc:docChg>
-  </pc:docChgLst>
 </pc:chgInfo>
 </file>
 
@@ -1442,7 +1445,7 @@
           <a:p>
             <a:fld id="{EFD5F6A8-BFC6-3B40-89F1-8CCE287D23AE}" type="datetimeFigureOut">
               <a:rPr lang="en-US" smtClean="0"/>
-              <a:t>5/13/2023</a:t>
+              <a:t>5/15/2023</a:t>
             </a:fld>
             <a:endParaRPr lang="en-US"/>
           </a:p>
@@ -2047,7 +2050,7 @@
           <a:p>
             <a:fld id="{A4496FFA-563A-BE4A-8E88-3572165B67AF}" type="slidenum">
               <a:rPr lang="en-US" smtClean="0"/>
-              <a:t>38</a:t>
+              <a:t>41</a:t>
             </a:fld>
             <a:endParaRPr lang="en-US"/>
           </a:p>
@@ -2223,7 +2226,7 @@
           <a:p>
             <a:fld id="{587A7283-3CCF-D54E-A722-7627788200F4}" type="datetimeFigureOut">
               <a:rPr lang="en-IT" smtClean="0"/>
-              <a:t>05/13/2023</a:t>
+              <a:t>05/15/2023</a:t>
             </a:fld>
             <a:endParaRPr lang="en-IT"/>
           </a:p>
@@ -2447,7 +2450,7 @@
           <a:p>
             <a:fld id="{587A7283-3CCF-D54E-A722-7627788200F4}" type="datetimeFigureOut">
               <a:rPr lang="en-IT" smtClean="0"/>
-              <a:t>05/13/2023</a:t>
+              <a:t>05/15/2023</a:t>
             </a:fld>
             <a:endParaRPr lang="en-IT"/>
           </a:p>
@@ -2681,7 +2684,7 @@
           <a:p>
             <a:fld id="{587A7283-3CCF-D54E-A722-7627788200F4}" type="datetimeFigureOut">
               <a:rPr lang="en-IT" smtClean="0"/>
-              <a:t>05/13/2023</a:t>
+              <a:t>05/15/2023</a:t>
             </a:fld>
             <a:endParaRPr lang="en-IT"/>
           </a:p>
@@ -2905,7 +2908,7 @@
           <a:p>
             <a:fld id="{587A7283-3CCF-D54E-A722-7627788200F4}" type="datetimeFigureOut">
               <a:rPr lang="en-IT" smtClean="0"/>
-              <a:t>05/13/2023</a:t>
+              <a:t>05/15/2023</a:t>
             </a:fld>
             <a:endParaRPr lang="en-IT"/>
           </a:p>
@@ -3205,7 +3208,7 @@
           <a:p>
             <a:fld id="{587A7283-3CCF-D54E-A722-7627788200F4}" type="datetimeFigureOut">
               <a:rPr lang="en-IT" smtClean="0"/>
-              <a:t>05/13/2023</a:t>
+              <a:t>05/15/2023</a:t>
             </a:fld>
             <a:endParaRPr lang="en-IT"/>
           </a:p>
@@ -3497,7 +3500,7 @@
           <a:p>
             <a:fld id="{587A7283-3CCF-D54E-A722-7627788200F4}" type="datetimeFigureOut">
               <a:rPr lang="en-IT" smtClean="0"/>
-              <a:t>05/13/2023</a:t>
+              <a:t>05/15/2023</a:t>
             </a:fld>
             <a:endParaRPr lang="en-IT"/>
           </a:p>
@@ -3936,7 +3939,7 @@
           <a:p>
             <a:fld id="{587A7283-3CCF-D54E-A722-7627788200F4}" type="datetimeFigureOut">
               <a:rPr lang="en-IT" smtClean="0"/>
-              <a:t>05/13/2023</a:t>
+              <a:t>05/15/2023</a:t>
             </a:fld>
             <a:endParaRPr lang="en-IT"/>
           </a:p>
@@ -4102,7 +4105,7 @@
           <a:p>
             <a:fld id="{587A7283-3CCF-D54E-A722-7627788200F4}" type="datetimeFigureOut">
               <a:rPr lang="en-IT" smtClean="0"/>
-              <a:t>05/13/2023</a:t>
+              <a:t>05/15/2023</a:t>
             </a:fld>
             <a:endParaRPr lang="en-IT"/>
           </a:p>
@@ -4239,7 +4242,7 @@
           <a:p>
             <a:fld id="{587A7283-3CCF-D54E-A722-7627788200F4}" type="datetimeFigureOut">
               <a:rPr lang="en-IT" smtClean="0"/>
-              <a:t>05/13/2023</a:t>
+              <a:t>05/15/2023</a:t>
             </a:fld>
             <a:endParaRPr lang="en-IT"/>
           </a:p>
@@ -4576,7 +4579,7 @@
           <a:p>
             <a:fld id="{587A7283-3CCF-D54E-A722-7627788200F4}" type="datetimeFigureOut">
               <a:rPr lang="en-IT" smtClean="0"/>
-              <a:t>05/13/2023</a:t>
+              <a:t>05/15/2023</a:t>
             </a:fld>
             <a:endParaRPr lang="en-IT"/>
           </a:p>
@@ -4889,7 +4892,7 @@
           <a:p>
             <a:fld id="{587A7283-3CCF-D54E-A722-7627788200F4}" type="datetimeFigureOut">
               <a:rPr lang="en-IT" smtClean="0"/>
-              <a:t>05/13/2023</a:t>
+              <a:t>05/15/2023</a:t>
             </a:fld>
             <a:endParaRPr lang="en-IT"/>
           </a:p>
@@ -6401,7 +6404,7 @@
               <a:rPr lang="en-US" dirty="0">
                 <a:latin typeface="Arial" panose="020B0604020202020204" pitchFamily="34" charset="0"/>
               </a:rPr>
-              <a:t>We also applied Histogram Equalization, </a:t>
+              <a:t>We tried Histogram Equalization, </a:t>
             </a:r>
             <a:r>
               <a:rPr lang="en-US" b="0" i="0" dirty="0">
@@ -6466,9 +6469,15 @@
               </a:rPr>
               <a:t>. This technique is commonly used with X-Ray images.</a:t>
             </a:r>
-            <a:endParaRPr lang="en-US" dirty="0">
-              <a:latin typeface="Arial" panose="020B0604020202020204" pitchFamily="34" charset="0"/>
-            </a:endParaRPr>
+          </a:p>
+          <a:p>
+            <a:pPr lvl="1" algn="just"/>
+            <a:r>
+              <a:rPr lang="en-US" dirty="0">
+                <a:latin typeface="Arial" panose="020B0604020202020204" pitchFamily="34" charset="0"/>
+              </a:rPr>
+              <a:t>Not optimal for every model</a:t>
+            </a:r>
           </a:p>
         </p:txBody>
       </p:sp>
@@ -6567,6 +6576,121 @@
           <a:p>
             <a:r>
               <a:rPr lang="es-ES" dirty="0" err="1"/>
+              <a:t>Preprocessing</a:t>
+            </a:r>
+            <a:r>
+              <a:rPr lang="es-ES" dirty="0"/>
+              <a:t> </a:t>
+            </a:r>
+            <a:r>
+              <a:rPr lang="es-ES" dirty="0" err="1"/>
+              <a:t>Techniques</a:t>
+            </a:r>
+            <a:endParaRPr lang="es-ES" dirty="0"/>
+          </a:p>
+        </p:txBody>
+      </p:sp>
+      <p:sp>
+        <p:nvSpPr>
+          <p:cNvPr id="2" name="Marcador de contenido 4">
+            <a:extLst>
+              <a:ext uri="{FF2B5EF4-FFF2-40B4-BE49-F238E27FC236}">
+                <a16:creationId xmlns:a16="http://schemas.microsoft.com/office/drawing/2014/main" id="{8B91D2F4-6A7E-252E-0169-3828670FB4E0}"/>
+              </a:ext>
+            </a:extLst>
+          </p:cNvPr>
+          <p:cNvSpPr>
+            <a:spLocks noGrp="1"/>
+          </p:cNvSpPr>
+          <p:nvPr>
+            <p:ph idx="1"/>
+          </p:nvPr>
+        </p:nvSpPr>
+        <p:spPr>
+          <a:xfrm>
+            <a:off x="838200" y="1855122"/>
+            <a:ext cx="10515600" cy="4351338"/>
+          </a:xfrm>
+        </p:spPr>
+        <p:txBody>
+          <a:bodyPr>
+            <a:normAutofit/>
+          </a:bodyPr>
+          <a:lstStyle/>
+          <a:p>
+            <a:pPr algn="just"/>
+            <a:r>
+              <a:rPr lang="en-US" dirty="0">
+                <a:latin typeface="Arial" panose="020B0604020202020204" pitchFamily="34" charset="0"/>
+              </a:rPr>
+              <a:t>Weighted loss… </a:t>
+            </a:r>
+            <a:r>
+              <a:rPr lang="en-US" dirty="0">
+                <a:latin typeface="Arial" panose="020B0604020202020204" pitchFamily="34" charset="0"/>
+                <a:sym typeface="Wingdings" panose="05000000000000000000" pitchFamily="2" charset="2"/>
+              </a:rPr>
+              <a:t> Tim</a:t>
+            </a:r>
+            <a:endParaRPr lang="en-US" dirty="0">
+              <a:latin typeface="Arial" panose="020B0604020202020204" pitchFamily="34" charset="0"/>
+            </a:endParaRPr>
+          </a:p>
+        </p:txBody>
+      </p:sp>
+    </p:spTree>
+    <p:extLst>
+      <p:ext uri="{BB962C8B-B14F-4D97-AF65-F5344CB8AC3E}">
+        <p14:creationId xmlns:p14="http://schemas.microsoft.com/office/powerpoint/2010/main" val="4029040879"/>
+      </p:ext>
+    </p:extLst>
+  </p:cSld>
+  <p:clrMapOvr>
+    <a:masterClrMapping/>
+  </p:clrMapOvr>
+</p:sld>
+</file>
+
+<file path=ppt/slides/slide13.xml><?xml version="1.0" encoding="utf-8"?>
+<p:sld xmlns:a="http://schemas.openxmlformats.org/drawingml/2006/main" xmlns:r="http://schemas.openxmlformats.org/officeDocument/2006/relationships" xmlns:p="http://schemas.openxmlformats.org/presentationml/2006/main" show="0">
+  <p:cSld>
+    <p:spTree>
+      <p:nvGrpSpPr>
+        <p:cNvPr id="1" name=""/>
+        <p:cNvGrpSpPr/>
+        <p:nvPr/>
+      </p:nvGrpSpPr>
+      <p:grpSpPr>
+        <a:xfrm>
+          <a:off x="0" y="0"/>
+          <a:ext cx="0" cy="0"/>
+          <a:chOff x="0" y="0"/>
+          <a:chExt cx="0" cy="0"/>
+        </a:xfrm>
+      </p:grpSpPr>
+      <p:sp>
+        <p:nvSpPr>
+          <p:cNvPr id="4" name="Título 3">
+            <a:extLst>
+              <a:ext uri="{FF2B5EF4-FFF2-40B4-BE49-F238E27FC236}">
+                <a16:creationId xmlns:a16="http://schemas.microsoft.com/office/drawing/2014/main" id="{35EEAE47-0DFC-59BA-F14F-E02307AA55B4}"/>
+              </a:ext>
+            </a:extLst>
+          </p:cNvPr>
+          <p:cNvSpPr>
+            <a:spLocks noGrp="1"/>
+          </p:cNvSpPr>
+          <p:nvPr>
+            <p:ph type="title"/>
+          </p:nvPr>
+        </p:nvSpPr>
+        <p:spPr/>
+        <p:txBody>
+          <a:bodyPr/>
+          <a:lstStyle/>
+          <a:p>
+            <a:r>
+              <a:rPr lang="es-ES" dirty="0" err="1"/>
               <a:t>Augmentation</a:t>
             </a:r>
             <a:r>
@@ -6652,8 +6776,8 @@
 </p:sld>
 </file>
 
-<file path=ppt/slides/slide13.xml><?xml version="1.0" encoding="utf-8"?>
-<p:sld xmlns:a="http://schemas.openxmlformats.org/drawingml/2006/main" xmlns:r="http://schemas.openxmlformats.org/officeDocument/2006/relationships" xmlns:p="http://schemas.openxmlformats.org/presentationml/2006/main">
+<file path=ppt/slides/slide14.xml><?xml version="1.0" encoding="utf-8"?>
+<p:sld xmlns:a="http://schemas.openxmlformats.org/drawingml/2006/main" xmlns:r="http://schemas.openxmlformats.org/officeDocument/2006/relationships" xmlns:p="http://schemas.openxmlformats.org/presentationml/2006/main" show="0">
   <p:cSld>
     <p:spTree>
       <p:nvGrpSpPr>
@@ -6777,7 +6901,7 @@
 </p:sld>
 </file>
 
-<file path=ppt/slides/slide14.xml><?xml version="1.0" encoding="utf-8"?>
+<file path=ppt/slides/slide15.xml><?xml version="1.0" encoding="utf-8"?>
 <p:sld xmlns:a="http://schemas.openxmlformats.org/drawingml/2006/main" xmlns:r="http://schemas.openxmlformats.org/officeDocument/2006/relationships" xmlns:p="http://schemas.openxmlformats.org/presentationml/2006/main">
   <p:cSld>
     <p:spTree>
@@ -6899,8 +7023,8 @@
 </p:sld>
 </file>
 
-<file path=ppt/slides/slide15.xml><?xml version="1.0" encoding="utf-8"?>
-<p:sld xmlns:a="http://schemas.openxmlformats.org/drawingml/2006/main" xmlns:r="http://schemas.openxmlformats.org/officeDocument/2006/relationships" xmlns:p="http://schemas.openxmlformats.org/presentationml/2006/main">
+<file path=ppt/slides/slide16.xml><?xml version="1.0" encoding="utf-8"?>
+<p:sld xmlns:a="http://schemas.openxmlformats.org/drawingml/2006/main" xmlns:r="http://schemas.openxmlformats.org/officeDocument/2006/relationships" xmlns:p="http://schemas.openxmlformats.org/presentationml/2006/main" show="0">
   <p:cSld>
     <p:spTree>
       <p:nvGrpSpPr>
@@ -7092,8 +7216,8 @@
 </p:sld>
 </file>
 
-<file path=ppt/slides/slide16.xml><?xml version="1.0" encoding="utf-8"?>
-<p:sld xmlns:a="http://schemas.openxmlformats.org/drawingml/2006/main" xmlns:r="http://schemas.openxmlformats.org/officeDocument/2006/relationships" xmlns:p="http://schemas.openxmlformats.org/presentationml/2006/main">
+<file path=ppt/slides/slide17.xml><?xml version="1.0" encoding="utf-8"?>
+<p:sld xmlns:a="http://schemas.openxmlformats.org/drawingml/2006/main" xmlns:r="http://schemas.openxmlformats.org/officeDocument/2006/relationships" xmlns:p="http://schemas.openxmlformats.org/presentationml/2006/main" show="0">
   <p:cSld>
     <p:spTree>
       <p:nvGrpSpPr>
@@ -7225,8 +7349,8 @@
 </p:sld>
 </file>
 
-<file path=ppt/slides/slide17.xml><?xml version="1.0" encoding="utf-8"?>
-<p:sld xmlns:a="http://schemas.openxmlformats.org/drawingml/2006/main" xmlns:r="http://schemas.openxmlformats.org/officeDocument/2006/relationships" xmlns:p="http://schemas.openxmlformats.org/presentationml/2006/main">
+<file path=ppt/slides/slide18.xml><?xml version="1.0" encoding="utf-8"?>
+<p:sld xmlns:a="http://schemas.openxmlformats.org/drawingml/2006/main" xmlns:r="http://schemas.openxmlformats.org/officeDocument/2006/relationships" xmlns:p="http://schemas.openxmlformats.org/presentationml/2006/main" show="0">
   <p:cSld>
     <p:spTree>
       <p:nvGrpSpPr>
@@ -7358,7 +7482,7 @@
 </p:sld>
 </file>
 
-<file path=ppt/slides/slide18.xml><?xml version="1.0" encoding="utf-8"?>
+<file path=ppt/slides/slide19.xml><?xml version="1.0" encoding="utf-8"?>
 <p:sld xmlns:a="http://schemas.openxmlformats.org/drawingml/2006/main" xmlns:r="http://schemas.openxmlformats.org/officeDocument/2006/relationships" xmlns:p="http://schemas.openxmlformats.org/presentationml/2006/main">
   <p:cSld>
     <p:spTree>
@@ -7551,8 +7675,158 @@
 </p:sld>
 </file>
 
-<file path=ppt/slides/slide19.xml><?xml version="1.0" encoding="utf-8"?>
+<file path=ppt/slides/slide2.xml><?xml version="1.0" encoding="utf-8"?>
 <p:sld xmlns:a="http://schemas.openxmlformats.org/drawingml/2006/main" xmlns:r="http://schemas.openxmlformats.org/officeDocument/2006/relationships" xmlns:p="http://schemas.openxmlformats.org/presentationml/2006/main">
+  <p:cSld>
+    <p:spTree>
+      <p:nvGrpSpPr>
+        <p:cNvPr id="1" name=""/>
+        <p:cNvGrpSpPr/>
+        <p:nvPr/>
+      </p:nvGrpSpPr>
+      <p:grpSpPr>
+        <a:xfrm>
+          <a:off x="0" y="0"/>
+          <a:ext cx="0" cy="0"/>
+          <a:chOff x="0" y="0"/>
+          <a:chExt cx="0" cy="0"/>
+        </a:xfrm>
+      </p:grpSpPr>
+      <p:sp>
+        <p:nvSpPr>
+          <p:cNvPr id="2" name="Title 1">
+            <a:extLst>
+              <a:ext uri="{FF2B5EF4-FFF2-40B4-BE49-F238E27FC236}">
+                <a16:creationId xmlns:a16="http://schemas.microsoft.com/office/drawing/2014/main" id="{FA938ECE-2378-3B43-960B-69ADB0FFC42E}"/>
+              </a:ext>
+            </a:extLst>
+          </p:cNvPr>
+          <p:cNvSpPr>
+            <a:spLocks noGrp="1"/>
+          </p:cNvSpPr>
+          <p:nvPr>
+            <p:ph type="title"/>
+          </p:nvPr>
+        </p:nvSpPr>
+        <p:spPr/>
+        <p:txBody>
+          <a:bodyPr/>
+          <a:lstStyle/>
+          <a:p>
+            <a:r>
+              <a:rPr lang="en-US" noProof="0" dirty="0">
+                <a:latin typeface="Helvetica Neue"/>
+              </a:rPr>
+              <a:t>Index</a:t>
+            </a:r>
+          </a:p>
+        </p:txBody>
+      </p:sp>
+      <p:sp>
+        <p:nvSpPr>
+          <p:cNvPr id="3" name="Content Placeholder 2">
+            <a:extLst>
+              <a:ext uri="{FF2B5EF4-FFF2-40B4-BE49-F238E27FC236}">
+                <a16:creationId xmlns:a16="http://schemas.microsoft.com/office/drawing/2014/main" id="{9045FD7F-73A5-544C-9E96-19B59C6DDAED}"/>
+              </a:ext>
+            </a:extLst>
+          </p:cNvPr>
+          <p:cNvSpPr>
+            <a:spLocks noGrp="1"/>
+          </p:cNvSpPr>
+          <p:nvPr>
+            <p:ph idx="1"/>
+          </p:nvPr>
+        </p:nvSpPr>
+        <p:spPr/>
+        <p:txBody>
+          <a:bodyPr vert="horz" lIns="91440" tIns="45720" rIns="91440" bIns="45720" rtlCol="0" anchor="t">
+            <a:normAutofit/>
+          </a:bodyPr>
+          <a:lstStyle/>
+          <a:p>
+            <a:r>
+              <a:rPr lang="en-US" sz="3600" dirty="0">
+                <a:latin typeface="Helvetica Neue Medium"/>
+              </a:rPr>
+              <a:t>Introduction</a:t>
+            </a:r>
+          </a:p>
+          <a:p>
+            <a:r>
+              <a:rPr lang="en-US" sz="3600" dirty="0">
+                <a:latin typeface="Helvetica Neue Medium"/>
+              </a:rPr>
+              <a:t>Data Analysis</a:t>
+            </a:r>
+          </a:p>
+          <a:p>
+            <a:r>
+              <a:rPr lang="en-US" sz="3600" dirty="0">
+                <a:latin typeface="Helvetica Neue Medium"/>
+              </a:rPr>
+              <a:t>Network Architecture Design</a:t>
+            </a:r>
+          </a:p>
+          <a:p>
+            <a:r>
+              <a:rPr lang="en-US" sz="3600" dirty="0">
+                <a:latin typeface="Helvetica Neue Medium"/>
+              </a:rPr>
+              <a:t>Network Training &amp; Evaluation</a:t>
+            </a:r>
+          </a:p>
+          <a:p>
+            <a:r>
+              <a:rPr lang="en-US" sz="3600" dirty="0">
+                <a:latin typeface="Helvetica Neue Medium"/>
+              </a:rPr>
+              <a:t>Results</a:t>
+            </a:r>
+          </a:p>
+          <a:p>
+            <a:r>
+              <a:rPr lang="en-US" sz="3600" dirty="0">
+                <a:latin typeface="Helvetica Neue Medium"/>
+              </a:rPr>
+              <a:t>Conclusion</a:t>
+            </a:r>
+          </a:p>
+          <a:p>
+            <a:pPr marL="0" indent="0">
+              <a:buNone/>
+            </a:pPr>
+            <a:endParaRPr lang="en-US" sz="3600" dirty="0">
+              <a:latin typeface="Helvetica Neue Medium"/>
+            </a:endParaRPr>
+          </a:p>
+          <a:p>
+            <a:endParaRPr lang="en-US" sz="3600" dirty="0">
+              <a:latin typeface="Helvetica Neue Medium"/>
+            </a:endParaRPr>
+          </a:p>
+          <a:p>
+            <a:endParaRPr lang="en-US" sz="3600" dirty="0">
+              <a:latin typeface="Helvetica Neue Medium"/>
+            </a:endParaRPr>
+          </a:p>
+        </p:txBody>
+      </p:sp>
+    </p:spTree>
+    <p:extLst>
+      <p:ext uri="{BB962C8B-B14F-4D97-AF65-F5344CB8AC3E}">
+        <p14:creationId xmlns:p14="http://schemas.microsoft.com/office/powerpoint/2010/main" val="1628986974"/>
+      </p:ext>
+    </p:extLst>
+  </p:cSld>
+  <p:clrMapOvr>
+    <a:masterClrMapping/>
+  </p:clrMapOvr>
+</p:sld>
+</file>
+
+<file path=ppt/slides/slide20.xml><?xml version="1.0" encoding="utf-8"?>
+<p:sld xmlns:a="http://schemas.openxmlformats.org/drawingml/2006/main" xmlns:r="http://schemas.openxmlformats.org/officeDocument/2006/relationships" xmlns:p="http://schemas.openxmlformats.org/presentationml/2006/main" show="0">
   <p:cSld>
     <p:spTree>
       <p:nvGrpSpPr>
@@ -7683,7 +7957,7 @@
 </p:sld>
 </file>
 
-<file path=ppt/slides/slide2.xml><?xml version="1.0" encoding="utf-8"?>
+<file path=ppt/slides/slide21.xml><?xml version="1.0" encoding="utf-8"?>
 <p:sld xmlns:a="http://schemas.openxmlformats.org/drawingml/2006/main" xmlns:r="http://schemas.openxmlformats.org/officeDocument/2006/relationships" xmlns:p="http://schemas.openxmlformats.org/presentationml/2006/main">
   <p:cSld>
     <p:spTree>
@@ -7702,156 +7976,6 @@
       </p:grpSpPr>
       <p:sp>
         <p:nvSpPr>
-          <p:cNvPr id="2" name="Title 1">
-            <a:extLst>
-              <a:ext uri="{FF2B5EF4-FFF2-40B4-BE49-F238E27FC236}">
-                <a16:creationId xmlns:a16="http://schemas.microsoft.com/office/drawing/2014/main" id="{FA938ECE-2378-3B43-960B-69ADB0FFC42E}"/>
-              </a:ext>
-            </a:extLst>
-          </p:cNvPr>
-          <p:cNvSpPr>
-            <a:spLocks noGrp="1"/>
-          </p:cNvSpPr>
-          <p:nvPr>
-            <p:ph type="title"/>
-          </p:nvPr>
-        </p:nvSpPr>
-        <p:spPr/>
-        <p:txBody>
-          <a:bodyPr/>
-          <a:lstStyle/>
-          <a:p>
-            <a:r>
-              <a:rPr lang="en-US" noProof="0" dirty="0">
-                <a:latin typeface="Helvetica Neue"/>
-              </a:rPr>
-              <a:t>Index</a:t>
-            </a:r>
-          </a:p>
-        </p:txBody>
-      </p:sp>
-      <p:sp>
-        <p:nvSpPr>
-          <p:cNvPr id="3" name="Content Placeholder 2">
-            <a:extLst>
-              <a:ext uri="{FF2B5EF4-FFF2-40B4-BE49-F238E27FC236}">
-                <a16:creationId xmlns:a16="http://schemas.microsoft.com/office/drawing/2014/main" id="{9045FD7F-73A5-544C-9E96-19B59C6DDAED}"/>
-              </a:ext>
-            </a:extLst>
-          </p:cNvPr>
-          <p:cNvSpPr>
-            <a:spLocks noGrp="1"/>
-          </p:cNvSpPr>
-          <p:nvPr>
-            <p:ph idx="1"/>
-          </p:nvPr>
-        </p:nvSpPr>
-        <p:spPr/>
-        <p:txBody>
-          <a:bodyPr vert="horz" lIns="91440" tIns="45720" rIns="91440" bIns="45720" rtlCol="0" anchor="t">
-            <a:normAutofit/>
-          </a:bodyPr>
-          <a:lstStyle/>
-          <a:p>
-            <a:r>
-              <a:rPr lang="en-US" sz="3600" dirty="0">
-                <a:latin typeface="Helvetica Neue Medium"/>
-              </a:rPr>
-              <a:t>Introduction</a:t>
-            </a:r>
-          </a:p>
-          <a:p>
-            <a:r>
-              <a:rPr lang="en-US" sz="3600" dirty="0">
-                <a:latin typeface="Helvetica Neue Medium"/>
-              </a:rPr>
-              <a:t>Data Analysis</a:t>
-            </a:r>
-          </a:p>
-          <a:p>
-            <a:r>
-              <a:rPr lang="en-US" sz="3600" dirty="0">
-                <a:latin typeface="Helvetica Neue Medium"/>
-              </a:rPr>
-              <a:t>Network Architecture Design</a:t>
-            </a:r>
-          </a:p>
-          <a:p>
-            <a:r>
-              <a:rPr lang="en-US" sz="3600" dirty="0">
-                <a:latin typeface="Helvetica Neue Medium"/>
-              </a:rPr>
-              <a:t>Network Training &amp; Evaluation</a:t>
-            </a:r>
-          </a:p>
-          <a:p>
-            <a:r>
-              <a:rPr lang="en-US" sz="3600" dirty="0">
-                <a:latin typeface="Helvetica Neue Medium"/>
-              </a:rPr>
-              <a:t>Results</a:t>
-            </a:r>
-          </a:p>
-          <a:p>
-            <a:r>
-              <a:rPr lang="en-US" sz="3600" dirty="0">
-                <a:latin typeface="Helvetica Neue Medium"/>
-              </a:rPr>
-              <a:t>Conclusion</a:t>
-            </a:r>
-          </a:p>
-          <a:p>
-            <a:pPr marL="0" indent="0">
-              <a:buNone/>
-            </a:pPr>
-            <a:endParaRPr lang="en-US" sz="3600" dirty="0">
-              <a:latin typeface="Helvetica Neue Medium"/>
-            </a:endParaRPr>
-          </a:p>
-          <a:p>
-            <a:endParaRPr lang="en-US" sz="3600" dirty="0">
-              <a:latin typeface="Helvetica Neue Medium"/>
-            </a:endParaRPr>
-          </a:p>
-          <a:p>
-            <a:endParaRPr lang="en-US" sz="3600" dirty="0">
-              <a:latin typeface="Helvetica Neue Medium"/>
-            </a:endParaRPr>
-          </a:p>
-        </p:txBody>
-      </p:sp>
-    </p:spTree>
-    <p:extLst>
-      <p:ext uri="{BB962C8B-B14F-4D97-AF65-F5344CB8AC3E}">
-        <p14:creationId xmlns:p14="http://schemas.microsoft.com/office/powerpoint/2010/main" val="1628986974"/>
-      </p:ext>
-    </p:extLst>
-  </p:cSld>
-  <p:clrMapOvr>
-    <a:masterClrMapping/>
-  </p:clrMapOvr>
-</p:sld>
-</file>
-
-<file path=ppt/slides/slide20.xml><?xml version="1.0" encoding="utf-8"?>
-<p:sld xmlns:a="http://schemas.openxmlformats.org/drawingml/2006/main" xmlns:r="http://schemas.openxmlformats.org/officeDocument/2006/relationships" xmlns:p="http://schemas.openxmlformats.org/presentationml/2006/main">
-  <p:cSld>
-    <p:spTree>
-      <p:nvGrpSpPr>
-        <p:cNvPr id="1" name=""/>
-        <p:cNvGrpSpPr/>
-        <p:nvPr/>
-      </p:nvGrpSpPr>
-      <p:grpSpPr>
-        <a:xfrm>
-          <a:off x="0" y="0"/>
-          <a:ext cx="0" cy="0"/>
-          <a:chOff x="0" y="0"/>
-          <a:chExt cx="0" cy="0"/>
-        </a:xfrm>
-      </p:grpSpPr>
-      <p:sp>
-        <p:nvSpPr>
           <p:cNvPr id="4" name="Título 3">
             <a:extLst>
               <a:ext uri="{FF2B5EF4-FFF2-40B4-BE49-F238E27FC236}">
@@ -7945,7 +8069,7 @@
         </p:blipFill>
         <p:spPr>
           <a:xfrm>
-            <a:off x="2944857" y="1968205"/>
+            <a:off x="769376" y="1915659"/>
             <a:ext cx="6302286" cy="998307"/>
           </a:xfrm>
           <a:prstGeom prst="rect">
@@ -7975,8 +8099,38 @@
         </p:blipFill>
         <p:spPr>
           <a:xfrm>
-            <a:off x="3887429" y="3289235"/>
+            <a:off x="1843889" y="3271684"/>
             <a:ext cx="4153260" cy="2179509"/>
+          </a:xfrm>
+          <a:prstGeom prst="rect">
+            <a:avLst/>
+          </a:prstGeom>
+        </p:spPr>
+      </p:pic>
+      <p:pic>
+        <p:nvPicPr>
+          <p:cNvPr id="2" name="Imagen 1">
+            <a:extLst>
+              <a:ext uri="{FF2B5EF4-FFF2-40B4-BE49-F238E27FC236}">
+                <a16:creationId xmlns:a16="http://schemas.microsoft.com/office/drawing/2014/main" id="{92389120-2D5D-2EFC-887D-89D604675C08}"/>
+              </a:ext>
+            </a:extLst>
+          </p:cNvPr>
+          <p:cNvPicPr>
+            <a:picLocks noChangeAspect="1"/>
+          </p:cNvPicPr>
+          <p:nvPr/>
+        </p:nvPicPr>
+        <p:blipFill>
+          <a:blip r:embed="rId4"/>
+          <a:stretch>
+            <a:fillRect/>
+          </a:stretch>
+        </p:blipFill>
+        <p:spPr>
+          <a:xfrm>
+            <a:off x="7410633" y="1915659"/>
+            <a:ext cx="2947137" cy="4121150"/>
           </a:xfrm>
           <a:prstGeom prst="rect">
             <a:avLst/>
@@ -7996,8 +8150,8 @@
 </p:sld>
 </file>
 
-<file path=ppt/slides/slide21.xml><?xml version="1.0" encoding="utf-8"?>
-<p:sld xmlns:a="http://schemas.openxmlformats.org/drawingml/2006/main" xmlns:r="http://schemas.openxmlformats.org/officeDocument/2006/relationships" xmlns:p="http://schemas.openxmlformats.org/presentationml/2006/main">
+<file path=ppt/slides/slide22.xml><?xml version="1.0" encoding="utf-8"?>
+<p:sld xmlns:a="http://schemas.openxmlformats.org/drawingml/2006/main" xmlns:r="http://schemas.openxmlformats.org/officeDocument/2006/relationships" xmlns:p="http://schemas.openxmlformats.org/presentationml/2006/main" show="0">
   <p:cSld>
     <p:spTree>
       <p:nvGrpSpPr>
@@ -8159,168 +8313,6 @@
 </p:sld>
 </file>
 
-<file path=ppt/slides/slide22.xml><?xml version="1.0" encoding="utf-8"?>
-<p:sld xmlns:a="http://schemas.openxmlformats.org/drawingml/2006/main" xmlns:r="http://schemas.openxmlformats.org/officeDocument/2006/relationships" xmlns:p="http://schemas.openxmlformats.org/presentationml/2006/main">
-  <p:cSld>
-    <p:spTree>
-      <p:nvGrpSpPr>
-        <p:cNvPr id="1" name=""/>
-        <p:cNvGrpSpPr/>
-        <p:nvPr/>
-      </p:nvGrpSpPr>
-      <p:grpSpPr>
-        <a:xfrm>
-          <a:off x="0" y="0"/>
-          <a:ext cx="0" cy="0"/>
-          <a:chOff x="0" y="0"/>
-          <a:chExt cx="0" cy="0"/>
-        </a:xfrm>
-      </p:grpSpPr>
-      <p:sp>
-        <p:nvSpPr>
-          <p:cNvPr id="4" name="Título 3">
-            <a:extLst>
-              <a:ext uri="{FF2B5EF4-FFF2-40B4-BE49-F238E27FC236}">
-                <a16:creationId xmlns:a16="http://schemas.microsoft.com/office/drawing/2014/main" id="{35EEAE47-0DFC-59BA-F14F-E02307AA55B4}"/>
-              </a:ext>
-            </a:extLst>
-          </p:cNvPr>
-          <p:cNvSpPr>
-            <a:spLocks noGrp="1"/>
-          </p:cNvSpPr>
-          <p:nvPr>
-            <p:ph type="title"/>
-          </p:nvPr>
-        </p:nvSpPr>
-        <p:spPr/>
-        <p:txBody>
-          <a:bodyPr/>
-          <a:lstStyle/>
-          <a:p>
-            <a:r>
-              <a:rPr lang="es-ES" dirty="0" err="1"/>
-              <a:t>Proposed</a:t>
-            </a:r>
-            <a:r>
-              <a:rPr lang="es-ES" dirty="0"/>
-              <a:t> </a:t>
-            </a:r>
-            <a:r>
-              <a:rPr lang="es-ES" dirty="0" err="1"/>
-              <a:t>Solutions</a:t>
-            </a:r>
-            <a:endParaRPr lang="es-ES" dirty="0"/>
-          </a:p>
-        </p:txBody>
-      </p:sp>
-      <p:sp>
-        <p:nvSpPr>
-          <p:cNvPr id="2" name="Marcador de contenido 4">
-            <a:extLst>
-              <a:ext uri="{FF2B5EF4-FFF2-40B4-BE49-F238E27FC236}">
-                <a16:creationId xmlns:a16="http://schemas.microsoft.com/office/drawing/2014/main" id="{8B91D2F4-6A7E-252E-0169-3828670FB4E0}"/>
-              </a:ext>
-            </a:extLst>
-          </p:cNvPr>
-          <p:cNvSpPr>
-            <a:spLocks noGrp="1"/>
-          </p:cNvSpPr>
-          <p:nvPr>
-            <p:ph idx="1"/>
-          </p:nvPr>
-        </p:nvSpPr>
-        <p:spPr>
-          <a:xfrm>
-            <a:off x="838200" y="1825625"/>
-            <a:ext cx="10515600" cy="4351338"/>
-          </a:xfrm>
-        </p:spPr>
-        <p:txBody>
-          <a:bodyPr>
-            <a:normAutofit/>
-          </a:bodyPr>
-          <a:lstStyle/>
-          <a:p>
-            <a:pPr algn="just"/>
-            <a:r>
-              <a:rPr lang="en-US" dirty="0" err="1">
-                <a:latin typeface="Arial" panose="020B0604020202020204" pitchFamily="34" charset="0"/>
-              </a:rPr>
-              <a:t>TabukNet</a:t>
-            </a:r>
-            <a:r>
-              <a:rPr lang="en-US" dirty="0">
-                <a:latin typeface="Arial" panose="020B0604020202020204" pitchFamily="34" charset="0"/>
-              </a:rPr>
-              <a:t> – Own Implemented Deep CNN</a:t>
-            </a:r>
-          </a:p>
-          <a:p>
-            <a:pPr algn="just"/>
-            <a:endParaRPr lang="en-US" dirty="0">
-              <a:latin typeface="Arial" panose="020B0604020202020204" pitchFamily="34" charset="0"/>
-            </a:endParaRPr>
-          </a:p>
-          <a:p>
-            <a:pPr algn="just"/>
-            <a:r>
-              <a:rPr lang="en-US" dirty="0" err="1">
-                <a:latin typeface="Arial" panose="020B0604020202020204" pitchFamily="34" charset="0"/>
-              </a:rPr>
-              <a:t>ChittagongNet</a:t>
-            </a:r>
-            <a:r>
-              <a:rPr lang="en-US" dirty="0">
-                <a:latin typeface="Arial" panose="020B0604020202020204" pitchFamily="34" charset="0"/>
-              </a:rPr>
-              <a:t> – Transfer Learning</a:t>
-            </a:r>
-          </a:p>
-          <a:p>
-            <a:pPr lvl="1" algn="just"/>
-            <a:r>
-              <a:rPr lang="en-US" dirty="0">
-                <a:latin typeface="Arial" panose="020B0604020202020204" pitchFamily="34" charset="0"/>
-              </a:rPr>
-              <a:t>VGG16 / VGG19 / MovileNetV2</a:t>
-            </a:r>
-          </a:p>
-          <a:p>
-            <a:pPr lvl="1" algn="just"/>
-            <a:endParaRPr lang="en-US" dirty="0">
-              <a:latin typeface="Arial" panose="020B0604020202020204" pitchFamily="34" charset="0"/>
-            </a:endParaRPr>
-          </a:p>
-          <a:p>
-            <a:pPr algn="just"/>
-            <a:r>
-              <a:rPr lang="en-US" dirty="0">
-                <a:latin typeface="Arial" panose="020B0604020202020204" pitchFamily="34" charset="0"/>
-              </a:rPr>
-              <a:t>…</a:t>
-            </a:r>
-          </a:p>
-          <a:p>
-            <a:pPr lvl="1" algn="just"/>
-            <a:endParaRPr lang="en-US" dirty="0">
-              <a:latin typeface="Arial" panose="020B0604020202020204" pitchFamily="34" charset="0"/>
-            </a:endParaRPr>
-          </a:p>
-        </p:txBody>
-      </p:sp>
-    </p:spTree>
-    <p:extLst>
-      <p:ext uri="{BB962C8B-B14F-4D97-AF65-F5344CB8AC3E}">
-        <p14:creationId xmlns:p14="http://schemas.microsoft.com/office/powerpoint/2010/main" val="2863987812"/>
-      </p:ext>
-    </p:extLst>
-  </p:cSld>
-  <p:clrMapOvr>
-    <a:masterClrMapping/>
-  </p:clrMapOvr>
-</p:sld>
-</file>
-
 <file path=ppt/slides/slide23.xml><?xml version="1.0" encoding="utf-8"?>
 <p:sld xmlns:a="http://schemas.openxmlformats.org/drawingml/2006/main" xmlns:r="http://schemas.openxmlformats.org/officeDocument/2006/relationships" xmlns:p="http://schemas.openxmlformats.org/presentationml/2006/main">
   <p:cSld>
@@ -8340,10 +8332,10 @@
       </p:grpSpPr>
       <p:sp>
         <p:nvSpPr>
-          <p:cNvPr id="2" name="Título 1">
-            <a:extLst>
-              <a:ext uri="{FF2B5EF4-FFF2-40B4-BE49-F238E27FC236}">
-                <a16:creationId xmlns:a16="http://schemas.microsoft.com/office/drawing/2014/main" id="{A2893ABC-7383-4C79-A1A0-C2364A586616}"/>
+          <p:cNvPr id="4" name="Título 3">
+            <a:extLst>
+              <a:ext uri="{FF2B5EF4-FFF2-40B4-BE49-F238E27FC236}">
+                <a16:creationId xmlns:a16="http://schemas.microsoft.com/office/drawing/2014/main" id="{35EEAE47-0DFC-59BA-F14F-E02307AA55B4}"/>
               </a:ext>
             </a:extLst>
           </p:cNvPr>
@@ -8355,72 +8347,105 @@
           </p:nvPr>
         </p:nvSpPr>
         <p:spPr/>
+        <p:txBody>
+          <a:bodyPr/>
+          <a:lstStyle/>
+          <a:p>
+            <a:r>
+              <a:rPr lang="es-ES" dirty="0" err="1"/>
+              <a:t>Proposed</a:t>
+            </a:r>
+            <a:r>
+              <a:rPr lang="es-ES" dirty="0"/>
+              <a:t> </a:t>
+            </a:r>
+            <a:r>
+              <a:rPr lang="es-ES" dirty="0" err="1"/>
+              <a:t>Solutions</a:t>
+            </a:r>
+            <a:endParaRPr lang="es-ES" dirty="0"/>
+          </a:p>
+        </p:txBody>
+      </p:sp>
+      <p:sp>
+        <p:nvSpPr>
+          <p:cNvPr id="2" name="Marcador de contenido 4">
+            <a:extLst>
+              <a:ext uri="{FF2B5EF4-FFF2-40B4-BE49-F238E27FC236}">
+                <a16:creationId xmlns:a16="http://schemas.microsoft.com/office/drawing/2014/main" id="{8B91D2F4-6A7E-252E-0169-3828670FB4E0}"/>
+              </a:ext>
+            </a:extLst>
+          </p:cNvPr>
+          <p:cNvSpPr>
+            <a:spLocks noGrp="1"/>
+          </p:cNvSpPr>
+          <p:nvPr>
+            <p:ph idx="1"/>
+          </p:nvPr>
+        </p:nvSpPr>
+        <p:spPr>
+          <a:xfrm>
+            <a:off x="838200" y="1825625"/>
+            <a:ext cx="10515600" cy="4351338"/>
+          </a:xfrm>
+        </p:spPr>
         <p:txBody>
           <a:bodyPr>
             <a:normAutofit/>
           </a:bodyPr>
           <a:lstStyle/>
           <a:p>
-            <a:r>
-              <a:rPr lang="es-MX" sz="4800" dirty="0"/>
-              <a:t>Network Training &amp; </a:t>
-            </a:r>
-            <a:r>
-              <a:rPr lang="es-MX" sz="4800" dirty="0" err="1"/>
-              <a:t>Evaluation</a:t>
-            </a:r>
-            <a:endParaRPr lang="es-ES" sz="4800" dirty="0"/>
-          </a:p>
-        </p:txBody>
-      </p:sp>
-      <p:sp>
-        <p:nvSpPr>
-          <p:cNvPr id="3" name="Marcador de texto 2">
-            <a:extLst>
-              <a:ext uri="{FF2B5EF4-FFF2-40B4-BE49-F238E27FC236}">
-                <a16:creationId xmlns:a16="http://schemas.microsoft.com/office/drawing/2014/main" id="{30F89A4F-0461-4CBC-8885-DD3809B8694C}"/>
-              </a:ext>
-            </a:extLst>
-          </p:cNvPr>
-          <p:cNvSpPr>
-            <a:spLocks noGrp="1"/>
-          </p:cNvSpPr>
-          <p:nvPr>
-            <p:ph type="body" idx="1"/>
-          </p:nvPr>
-        </p:nvSpPr>
-        <p:spPr/>
-        <p:txBody>
-          <a:bodyPr/>
-          <a:lstStyle/>
-          <a:p>
-            <a:r>
-              <a:rPr lang="es-ES" dirty="0"/>
-              <a:t>Training </a:t>
-            </a:r>
-            <a:r>
-              <a:rPr lang="es-ES" dirty="0" err="1"/>
-              <a:t>Procedure</a:t>
-            </a:r>
-            <a:r>
-              <a:rPr lang="es-ES" dirty="0"/>
-              <a:t> &amp; </a:t>
-            </a:r>
-            <a:r>
-              <a:rPr lang="es-ES" dirty="0" err="1"/>
-              <a:t>Evaluation</a:t>
-            </a:r>
-            <a:r>
-              <a:rPr lang="es-ES" dirty="0"/>
-              <a:t> </a:t>
-            </a:r>
-            <a:r>
-              <a:rPr lang="es-ES" dirty="0" err="1"/>
-              <a:t>Metrics</a:t>
-            </a:r>
-            <a:r>
-              <a:rPr lang="es-ES" dirty="0"/>
-              <a:t> </a:t>
+            <a:pPr algn="just"/>
+            <a:r>
+              <a:rPr lang="en-US" dirty="0" err="1">
+                <a:latin typeface="Arial" panose="020B0604020202020204" pitchFamily="34" charset="0"/>
+              </a:rPr>
+              <a:t>TabukNet</a:t>
+            </a:r>
+            <a:r>
+              <a:rPr lang="en-US" dirty="0">
+                <a:latin typeface="Arial" panose="020B0604020202020204" pitchFamily="34" charset="0"/>
+              </a:rPr>
+              <a:t> – Own Implemented Deep CNN</a:t>
+            </a:r>
+          </a:p>
+          <a:p>
+            <a:pPr algn="just"/>
+            <a:endParaRPr lang="en-US" dirty="0">
+              <a:latin typeface="Arial" panose="020B0604020202020204" pitchFamily="34" charset="0"/>
+            </a:endParaRPr>
+          </a:p>
+          <a:p>
+            <a:pPr algn="just"/>
+            <a:r>
+              <a:rPr lang="en-US" dirty="0" err="1">
+                <a:latin typeface="Arial" panose="020B0604020202020204" pitchFamily="34" charset="0"/>
+              </a:rPr>
+              <a:t>ChittagongNet</a:t>
+            </a:r>
+            <a:r>
+              <a:rPr lang="en-US" dirty="0">
+                <a:latin typeface="Arial" panose="020B0604020202020204" pitchFamily="34" charset="0"/>
+              </a:rPr>
+              <a:t> – Transfer Learning</a:t>
+            </a:r>
+          </a:p>
+          <a:p>
+            <a:pPr lvl="1" algn="just"/>
+            <a:r>
+              <a:rPr lang="en-US" dirty="0">
+                <a:latin typeface="Arial" panose="020B0604020202020204" pitchFamily="34" charset="0"/>
+              </a:rPr>
+              <a:t>VGG19 – Feature Extraction</a:t>
+            </a:r>
+          </a:p>
+          <a:p>
+            <a:pPr lvl="1" algn="just"/>
+            <a:r>
+              <a:rPr lang="en-US" dirty="0">
+                <a:latin typeface="Arial" panose="020B0604020202020204" pitchFamily="34" charset="0"/>
+              </a:rPr>
+              <a:t>ResNet18 – Fine Tuning</a:t>
             </a:r>
           </a:p>
         </p:txBody>
@@ -8428,7 +8453,7 @@
     </p:spTree>
     <p:extLst>
       <p:ext uri="{BB962C8B-B14F-4D97-AF65-F5344CB8AC3E}">
-        <p14:creationId xmlns:p14="http://schemas.microsoft.com/office/powerpoint/2010/main" val="1441572377"/>
+        <p14:creationId xmlns:p14="http://schemas.microsoft.com/office/powerpoint/2010/main" val="2863987812"/>
       </p:ext>
     </p:extLst>
   </p:cSld>
@@ -8457,6 +8482,123 @@
       </p:grpSpPr>
       <p:sp>
         <p:nvSpPr>
+          <p:cNvPr id="2" name="Título 1">
+            <a:extLst>
+              <a:ext uri="{FF2B5EF4-FFF2-40B4-BE49-F238E27FC236}">
+                <a16:creationId xmlns:a16="http://schemas.microsoft.com/office/drawing/2014/main" id="{A2893ABC-7383-4C79-A1A0-C2364A586616}"/>
+              </a:ext>
+            </a:extLst>
+          </p:cNvPr>
+          <p:cNvSpPr>
+            <a:spLocks noGrp="1"/>
+          </p:cNvSpPr>
+          <p:nvPr>
+            <p:ph type="title"/>
+          </p:nvPr>
+        </p:nvSpPr>
+        <p:spPr/>
+        <p:txBody>
+          <a:bodyPr>
+            <a:normAutofit/>
+          </a:bodyPr>
+          <a:lstStyle/>
+          <a:p>
+            <a:r>
+              <a:rPr lang="es-MX" sz="4800" dirty="0"/>
+              <a:t>Network Training &amp; </a:t>
+            </a:r>
+            <a:r>
+              <a:rPr lang="es-MX" sz="4800" dirty="0" err="1"/>
+              <a:t>Evaluation</a:t>
+            </a:r>
+            <a:endParaRPr lang="es-ES" sz="4800" dirty="0"/>
+          </a:p>
+        </p:txBody>
+      </p:sp>
+      <p:sp>
+        <p:nvSpPr>
+          <p:cNvPr id="3" name="Marcador de texto 2">
+            <a:extLst>
+              <a:ext uri="{FF2B5EF4-FFF2-40B4-BE49-F238E27FC236}">
+                <a16:creationId xmlns:a16="http://schemas.microsoft.com/office/drawing/2014/main" id="{30F89A4F-0461-4CBC-8885-DD3809B8694C}"/>
+              </a:ext>
+            </a:extLst>
+          </p:cNvPr>
+          <p:cNvSpPr>
+            <a:spLocks noGrp="1"/>
+          </p:cNvSpPr>
+          <p:nvPr>
+            <p:ph type="body" idx="1"/>
+          </p:nvPr>
+        </p:nvSpPr>
+        <p:spPr/>
+        <p:txBody>
+          <a:bodyPr/>
+          <a:lstStyle/>
+          <a:p>
+            <a:r>
+              <a:rPr lang="es-ES" dirty="0"/>
+              <a:t>Training </a:t>
+            </a:r>
+            <a:r>
+              <a:rPr lang="es-ES" dirty="0" err="1"/>
+              <a:t>Procedure</a:t>
+            </a:r>
+            <a:r>
+              <a:rPr lang="es-ES" dirty="0"/>
+              <a:t> &amp; </a:t>
+            </a:r>
+            <a:r>
+              <a:rPr lang="es-ES" dirty="0" err="1"/>
+              <a:t>Evaluation</a:t>
+            </a:r>
+            <a:r>
+              <a:rPr lang="es-ES" dirty="0"/>
+              <a:t> </a:t>
+            </a:r>
+            <a:r>
+              <a:rPr lang="es-ES" dirty="0" err="1"/>
+              <a:t>Metrics</a:t>
+            </a:r>
+            <a:r>
+              <a:rPr lang="es-ES" dirty="0"/>
+              <a:t> </a:t>
+            </a:r>
+          </a:p>
+        </p:txBody>
+      </p:sp>
+    </p:spTree>
+    <p:extLst>
+      <p:ext uri="{BB962C8B-B14F-4D97-AF65-F5344CB8AC3E}">
+        <p14:creationId xmlns:p14="http://schemas.microsoft.com/office/powerpoint/2010/main" val="1441572377"/>
+      </p:ext>
+    </p:extLst>
+  </p:cSld>
+  <p:clrMapOvr>
+    <a:masterClrMapping/>
+  </p:clrMapOvr>
+</p:sld>
+</file>
+
+<file path=ppt/slides/slide25.xml><?xml version="1.0" encoding="utf-8"?>
+<p:sld xmlns:a="http://schemas.openxmlformats.org/drawingml/2006/main" xmlns:r="http://schemas.openxmlformats.org/officeDocument/2006/relationships" xmlns:p="http://schemas.openxmlformats.org/presentationml/2006/main">
+  <p:cSld>
+    <p:spTree>
+      <p:nvGrpSpPr>
+        <p:cNvPr id="1" name=""/>
+        <p:cNvGrpSpPr/>
+        <p:nvPr/>
+      </p:nvGrpSpPr>
+      <p:grpSpPr>
+        <a:xfrm>
+          <a:off x="0" y="0"/>
+          <a:ext cx="0" cy="0"/>
+          <a:chOff x="0" y="0"/>
+          <a:chExt cx="0" cy="0"/>
+        </a:xfrm>
+      </p:grpSpPr>
+      <p:sp>
+        <p:nvSpPr>
           <p:cNvPr id="4" name="Título 3">
             <a:extLst>
               <a:ext uri="{FF2B5EF4-FFF2-40B4-BE49-F238E27FC236}">
@@ -8526,30 +8668,9 @@
           </a:p>
           <a:p>
             <a:pPr lvl="1" algn="just"/>
-            <a:r>
-              <a:rPr lang="en-US" dirty="0">
-                <a:latin typeface="Arial" panose="020B0604020202020204" pitchFamily="34" charset="0"/>
-              </a:rPr>
-              <a:t>Number of epochs: 40</a:t>
-            </a:r>
-          </a:p>
-          <a:p>
-            <a:pPr lvl="1" algn="just"/>
-            <a:r>
-              <a:rPr lang="en-US" dirty="0">
-                <a:latin typeface="Arial" panose="020B0604020202020204" pitchFamily="34" charset="0"/>
-              </a:rPr>
-              <a:t>Batch size: 64</a:t>
-            </a:r>
-          </a:p>
-          <a:p>
-            <a:pPr lvl="1" algn="just"/>
-            <a:r>
-              <a:rPr lang="en-US" dirty="0">
-                <a:latin typeface="Arial" panose="020B0604020202020204" pitchFamily="34" charset="0"/>
-              </a:rPr>
-              <a:t>Learning rate: 0.001</a:t>
-            </a:r>
+            <a:endParaRPr lang="en-US" dirty="0">
+              <a:latin typeface="Arial" panose="020B0604020202020204" pitchFamily="34" charset="0"/>
+            </a:endParaRPr>
           </a:p>
           <a:p>
             <a:pPr lvl="1" algn="just"/>
@@ -8558,6 +8679,24 @@
             </a:endParaRPr>
           </a:p>
           <a:p>
+            <a:pPr lvl="1" algn="just"/>
+            <a:endParaRPr lang="en-US" dirty="0">
+              <a:latin typeface="Arial" panose="020B0604020202020204" pitchFamily="34" charset="0"/>
+            </a:endParaRPr>
+          </a:p>
+          <a:p>
+            <a:pPr lvl="1" algn="just"/>
+            <a:endParaRPr lang="en-US" dirty="0">
+              <a:latin typeface="Arial" panose="020B0604020202020204" pitchFamily="34" charset="0"/>
+            </a:endParaRPr>
+          </a:p>
+          <a:p>
+            <a:pPr lvl="1" algn="just"/>
+            <a:endParaRPr lang="en-US" dirty="0">
+              <a:latin typeface="Arial" panose="020B0604020202020204" pitchFamily="34" charset="0"/>
+            </a:endParaRPr>
+          </a:p>
+          <a:p>
             <a:pPr algn="just"/>
             <a:r>
               <a:rPr lang="en-US" dirty="0">
@@ -8616,6 +8755,326 @@
           </a:p>
         </p:txBody>
       </p:sp>
+      <p:graphicFrame>
+        <p:nvGraphicFramePr>
+          <p:cNvPr id="5" name="Tabla 5">
+            <a:extLst>
+              <a:ext uri="{FF2B5EF4-FFF2-40B4-BE49-F238E27FC236}">
+                <a16:creationId xmlns:a16="http://schemas.microsoft.com/office/drawing/2014/main" id="{22EDD94B-AE04-84F1-D624-F7E55C7ABC3B}"/>
+              </a:ext>
+            </a:extLst>
+          </p:cNvPr>
+          <p:cNvGraphicFramePr>
+            <a:graphicFrameLocks noGrp="1"/>
+          </p:cNvGraphicFramePr>
+          <p:nvPr>
+            <p:extLst>
+              <p:ext uri="{D42A27DB-BD31-4B8C-83A1-F6EECF244321}">
+                <p14:modId xmlns:p14="http://schemas.microsoft.com/office/powerpoint/2010/main" val="1810260575"/>
+              </p:ext>
+            </p:extLst>
+          </p:nvPr>
+        </p:nvGraphicFramePr>
+        <p:xfrm>
+          <a:off x="2032000" y="2517934"/>
+          <a:ext cx="8128000" cy="1483360"/>
+        </p:xfrm>
+        <a:graphic>
+          <a:graphicData uri="http://schemas.openxmlformats.org/drawingml/2006/table">
+            <a:tbl>
+              <a:tblPr firstRow="1" bandRow="1">
+                <a:tableStyleId>{22838BEF-8BB2-4498-84A7-C5851F593DF1}</a:tableStyleId>
+              </a:tblPr>
+              <a:tblGrid>
+                <a:gridCol w="2032000">
+                  <a:extLst>
+                    <a:ext uri="{9D8B030D-6E8A-4147-A177-3AD203B41FA5}">
+                      <a16:colId xmlns:a16="http://schemas.microsoft.com/office/drawing/2014/main" val="2376947684"/>
+                    </a:ext>
+                  </a:extLst>
+                </a:gridCol>
+                <a:gridCol w="2032000">
+                  <a:extLst>
+                    <a:ext uri="{9D8B030D-6E8A-4147-A177-3AD203B41FA5}">
+                      <a16:colId xmlns:a16="http://schemas.microsoft.com/office/drawing/2014/main" val="2780178491"/>
+                    </a:ext>
+                  </a:extLst>
+                </a:gridCol>
+                <a:gridCol w="2032000">
+                  <a:extLst>
+                    <a:ext uri="{9D8B030D-6E8A-4147-A177-3AD203B41FA5}">
+                      <a16:colId xmlns:a16="http://schemas.microsoft.com/office/drawing/2014/main" val="1995358922"/>
+                    </a:ext>
+                  </a:extLst>
+                </a:gridCol>
+                <a:gridCol w="2032000">
+                  <a:extLst>
+                    <a:ext uri="{9D8B030D-6E8A-4147-A177-3AD203B41FA5}">
+                      <a16:colId xmlns:a16="http://schemas.microsoft.com/office/drawing/2014/main" val="2352745832"/>
+                    </a:ext>
+                  </a:extLst>
+                </a:gridCol>
+              </a:tblGrid>
+              <a:tr h="370840">
+                <a:tc>
+                  <a:txBody>
+                    <a:bodyPr/>
+                    <a:lstStyle/>
+                    <a:p>
+                      <a:endParaRPr lang="es-ES" dirty="0"/>
+                    </a:p>
+                  </a:txBody>
+                  <a:tcPr/>
+                </a:tc>
+                <a:tc>
+                  <a:txBody>
+                    <a:bodyPr/>
+                    <a:lstStyle/>
+                    <a:p>
+                      <a:r>
+                        <a:rPr lang="es-ES" dirty="0" err="1"/>
+                        <a:t>TabukNet</a:t>
+                      </a:r>
+                      <a:endParaRPr lang="es-ES" dirty="0"/>
+                    </a:p>
+                  </a:txBody>
+                  <a:tcPr/>
+                </a:tc>
+                <a:tc>
+                  <a:txBody>
+                    <a:bodyPr/>
+                    <a:lstStyle/>
+                    <a:p>
+                      <a:r>
+                        <a:rPr lang="es-ES" dirty="0"/>
+                        <a:t>VGG19</a:t>
+                      </a:r>
+                    </a:p>
+                  </a:txBody>
+                  <a:tcPr/>
+                </a:tc>
+                <a:tc>
+                  <a:txBody>
+                    <a:bodyPr/>
+                    <a:lstStyle/>
+                    <a:p>
+                      <a:r>
+                        <a:rPr lang="es-ES" dirty="0"/>
+                        <a:t>ResNet18</a:t>
+                      </a:r>
+                    </a:p>
+                  </a:txBody>
+                  <a:tcPr/>
+                </a:tc>
+                <a:extLst>
+                  <a:ext uri="{0D108BD9-81ED-4DB2-BD59-A6C34878D82A}">
+                    <a16:rowId xmlns:a16="http://schemas.microsoft.com/office/drawing/2014/main" val="2820590297"/>
+                  </a:ext>
+                </a:extLst>
+              </a:tr>
+              <a:tr h="370840">
+                <a:tc>
+                  <a:txBody>
+                    <a:bodyPr/>
+                    <a:lstStyle/>
+                    <a:p>
+                      <a:r>
+                        <a:rPr lang="es-ES" dirty="0"/>
+                        <a:t>Number </a:t>
+                      </a:r>
+                      <a:r>
+                        <a:rPr lang="es-ES" dirty="0" err="1"/>
+                        <a:t>of</a:t>
+                      </a:r>
+                      <a:r>
+                        <a:rPr lang="es-ES" dirty="0"/>
+                        <a:t> </a:t>
+                      </a:r>
+                      <a:r>
+                        <a:rPr lang="es-ES" dirty="0" err="1"/>
+                        <a:t>epochs</a:t>
+                      </a:r>
+                      <a:endParaRPr lang="es-ES" dirty="0"/>
+                    </a:p>
+                  </a:txBody>
+                  <a:tcPr/>
+                </a:tc>
+                <a:tc>
+                  <a:txBody>
+                    <a:bodyPr/>
+                    <a:lstStyle/>
+                    <a:p>
+                      <a:r>
+                        <a:rPr lang="es-ES" dirty="0"/>
+                        <a:t>40</a:t>
+                      </a:r>
+                    </a:p>
+                  </a:txBody>
+                  <a:tcPr/>
+                </a:tc>
+                <a:tc>
+                  <a:txBody>
+                    <a:bodyPr/>
+                    <a:lstStyle/>
+                    <a:p>
+                      <a:r>
+                        <a:rPr lang="es-ES" dirty="0"/>
+                        <a:t>40</a:t>
+                      </a:r>
+                    </a:p>
+                  </a:txBody>
+                  <a:tcPr/>
+                </a:tc>
+                <a:tc>
+                  <a:txBody>
+                    <a:bodyPr/>
+                    <a:lstStyle/>
+                    <a:p>
+                      <a:endParaRPr lang="es-ES" dirty="0"/>
+                    </a:p>
+                  </a:txBody>
+                  <a:tcPr/>
+                </a:tc>
+                <a:extLst>
+                  <a:ext uri="{0D108BD9-81ED-4DB2-BD59-A6C34878D82A}">
+                    <a16:rowId xmlns:a16="http://schemas.microsoft.com/office/drawing/2014/main" val="2174685290"/>
+                  </a:ext>
+                </a:extLst>
+              </a:tr>
+              <a:tr h="370840">
+                <a:tc>
+                  <a:txBody>
+                    <a:bodyPr/>
+                    <a:lstStyle/>
+                    <a:p>
+                      <a:r>
+                        <a:rPr lang="es-ES" dirty="0" err="1"/>
+                        <a:t>Batch</a:t>
+                      </a:r>
+                      <a:r>
+                        <a:rPr lang="es-ES" dirty="0"/>
+                        <a:t> </a:t>
+                      </a:r>
+                      <a:r>
+                        <a:rPr lang="es-ES" dirty="0" err="1"/>
+                        <a:t>Size</a:t>
+                      </a:r>
+                      <a:endParaRPr lang="es-ES" dirty="0"/>
+                    </a:p>
+                  </a:txBody>
+                  <a:tcPr/>
+                </a:tc>
+                <a:tc>
+                  <a:txBody>
+                    <a:bodyPr/>
+                    <a:lstStyle/>
+                    <a:p>
+                      <a:r>
+                        <a:rPr lang="es-ES" dirty="0"/>
+                        <a:t>64</a:t>
+                      </a:r>
+                    </a:p>
+                  </a:txBody>
+                  <a:tcPr/>
+                </a:tc>
+                <a:tc>
+                  <a:txBody>
+                    <a:bodyPr/>
+                    <a:lstStyle/>
+                    <a:p>
+                      <a:r>
+                        <a:rPr lang="es-ES" dirty="0"/>
+                        <a:t>64</a:t>
+                      </a:r>
+                    </a:p>
+                  </a:txBody>
+                  <a:tcPr/>
+                </a:tc>
+                <a:tc>
+                  <a:txBody>
+                    <a:bodyPr/>
+                    <a:lstStyle/>
+                    <a:p>
+                      <a:endParaRPr lang="es-ES" dirty="0"/>
+                    </a:p>
+                  </a:txBody>
+                  <a:tcPr/>
+                </a:tc>
+                <a:extLst>
+                  <a:ext uri="{0D108BD9-81ED-4DB2-BD59-A6C34878D82A}">
+                    <a16:rowId xmlns:a16="http://schemas.microsoft.com/office/drawing/2014/main" val="1452056095"/>
+                  </a:ext>
+                </a:extLst>
+              </a:tr>
+              <a:tr h="370840">
+                <a:tc>
+                  <a:txBody>
+                    <a:bodyPr/>
+                    <a:lstStyle/>
+                    <a:p>
+                      <a:r>
+                        <a:rPr lang="es-ES" dirty="0" err="1"/>
+                        <a:t>Learning</a:t>
+                      </a:r>
+                      <a:r>
+                        <a:rPr lang="es-ES" dirty="0"/>
+                        <a:t> </a:t>
+                      </a:r>
+                      <a:r>
+                        <a:rPr lang="es-ES" dirty="0" err="1"/>
+                        <a:t>Rate</a:t>
+                      </a:r>
+                      <a:endParaRPr lang="es-ES" dirty="0"/>
+                    </a:p>
+                  </a:txBody>
+                  <a:tcPr/>
+                </a:tc>
+                <a:tc>
+                  <a:txBody>
+                    <a:bodyPr/>
+                    <a:lstStyle/>
+                    <a:p>
+                      <a:r>
+                        <a:rPr lang="es-ES" dirty="0"/>
+                        <a:t>0.001</a:t>
+                      </a:r>
+                    </a:p>
+                  </a:txBody>
+                  <a:tcPr/>
+                </a:tc>
+                <a:tc>
+                  <a:txBody>
+                    <a:bodyPr/>
+                    <a:lstStyle/>
+                    <a:p>
+                      <a:r>
+                        <a:rPr lang="es-ES" dirty="0"/>
+                        <a:t>0.001</a:t>
+                      </a:r>
+                    </a:p>
+                  </a:txBody>
+                  <a:tcPr/>
+                </a:tc>
+                <a:tc>
+                  <a:txBody>
+                    <a:bodyPr/>
+                    <a:lstStyle/>
+                    <a:p>
+                      <a:endParaRPr lang="es-ES" dirty="0"/>
+                    </a:p>
+                  </a:txBody>
+                  <a:tcPr/>
+                </a:tc>
+                <a:extLst>
+                  <a:ext uri="{0D108BD9-81ED-4DB2-BD59-A6C34878D82A}">
+                    <a16:rowId xmlns:a16="http://schemas.microsoft.com/office/drawing/2014/main" val="3826411442"/>
+                  </a:ext>
+                </a:extLst>
+              </a:tr>
+            </a:tbl>
+          </a:graphicData>
+        </a:graphic>
+      </p:graphicFrame>
     </p:spTree>
     <p:extLst>
       <p:ext uri="{BB962C8B-B14F-4D97-AF65-F5344CB8AC3E}">
@@ -8629,7 +9088,7 @@
 </p:sld>
 </file>
 
-<file path=ppt/slides/slide25.xml><?xml version="1.0" encoding="utf-8"?>
+<file path=ppt/slides/slide26.xml><?xml version="1.0" encoding="utf-8"?>
 <p:sld xmlns:a="http://schemas.openxmlformats.org/drawingml/2006/main" xmlns:r="http://schemas.openxmlformats.org/officeDocument/2006/relationships" xmlns:p="http://schemas.openxmlformats.org/presentationml/2006/main">
   <p:cSld>
     <p:spTree>
@@ -8921,8 +9380,8 @@
 </p:sld>
 </file>
 
-<file path=ppt/slides/slide26.xml><?xml version="1.0" encoding="utf-8"?>
-<p:sld xmlns:a="http://schemas.openxmlformats.org/drawingml/2006/main" xmlns:r="http://schemas.openxmlformats.org/officeDocument/2006/relationships" xmlns:p="http://schemas.openxmlformats.org/presentationml/2006/main">
+<file path=ppt/slides/slide27.xml><?xml version="1.0" encoding="utf-8"?>
+<p:sld xmlns:a="http://schemas.openxmlformats.org/drawingml/2006/main" xmlns:r="http://schemas.openxmlformats.org/officeDocument/2006/relationships" xmlns:p="http://schemas.openxmlformats.org/presentationml/2006/main" show="0">
   <p:cSld>
     <p:spTree>
       <p:nvGrpSpPr>
@@ -9209,303 +9668,6 @@
     <p:extLst>
       <p:ext uri="{BB962C8B-B14F-4D97-AF65-F5344CB8AC3E}">
         <p14:creationId xmlns:p14="http://schemas.microsoft.com/office/powerpoint/2010/main" val="2920668842"/>
-      </p:ext>
-    </p:extLst>
-  </p:cSld>
-  <p:clrMapOvr>
-    <a:masterClrMapping/>
-  </p:clrMapOvr>
-</p:sld>
-</file>
-
-<file path=ppt/slides/slide27.xml><?xml version="1.0" encoding="utf-8"?>
-<p:sld xmlns:a="http://schemas.openxmlformats.org/drawingml/2006/main" xmlns:r="http://schemas.openxmlformats.org/officeDocument/2006/relationships" xmlns:p="http://schemas.openxmlformats.org/presentationml/2006/main">
-  <p:cSld>
-    <p:spTree>
-      <p:nvGrpSpPr>
-        <p:cNvPr id="1" name=""/>
-        <p:cNvGrpSpPr/>
-        <p:nvPr/>
-      </p:nvGrpSpPr>
-      <p:grpSpPr>
-        <a:xfrm>
-          <a:off x="0" y="0"/>
-          <a:ext cx="0" cy="0"/>
-          <a:chOff x="0" y="0"/>
-          <a:chExt cx="0" cy="0"/>
-        </a:xfrm>
-      </p:grpSpPr>
-      <p:sp>
-        <p:nvSpPr>
-          <p:cNvPr id="4" name="Título 3">
-            <a:extLst>
-              <a:ext uri="{FF2B5EF4-FFF2-40B4-BE49-F238E27FC236}">
-                <a16:creationId xmlns:a16="http://schemas.microsoft.com/office/drawing/2014/main" id="{35EEAE47-0DFC-59BA-F14F-E02307AA55B4}"/>
-              </a:ext>
-            </a:extLst>
-          </p:cNvPr>
-          <p:cNvSpPr>
-            <a:spLocks noGrp="1"/>
-          </p:cNvSpPr>
-          <p:nvPr>
-            <p:ph type="title"/>
-          </p:nvPr>
-        </p:nvSpPr>
-        <p:spPr/>
-        <p:txBody>
-          <a:bodyPr>
-            <a:normAutofit/>
-          </a:bodyPr>
-          <a:lstStyle/>
-          <a:p>
-            <a:r>
-              <a:rPr lang="es-ES" sz="4000" dirty="0" err="1"/>
-              <a:t>ChittagongNet</a:t>
-            </a:r>
-            <a:r>
-              <a:rPr lang="es-ES" sz="4000" dirty="0"/>
-              <a:t>/VGG19</a:t>
-            </a:r>
-          </a:p>
-        </p:txBody>
-      </p:sp>
-      <p:pic>
-        <p:nvPicPr>
-          <p:cNvPr id="9" name="Imagen 8">
-            <a:extLst>
-              <a:ext uri="{FF2B5EF4-FFF2-40B4-BE49-F238E27FC236}">
-                <a16:creationId xmlns:a16="http://schemas.microsoft.com/office/drawing/2014/main" id="{B676EF16-629D-70DC-81E3-11C2A246A766}"/>
-              </a:ext>
-            </a:extLst>
-          </p:cNvPr>
-          <p:cNvPicPr>
-            <a:picLocks noChangeAspect="1"/>
-          </p:cNvPicPr>
-          <p:nvPr/>
-        </p:nvPicPr>
-        <p:blipFill>
-          <a:blip r:embed="rId2"/>
-          <a:stretch>
-            <a:fillRect/>
-          </a:stretch>
-        </p:blipFill>
-        <p:spPr>
-          <a:xfrm>
-            <a:off x="838200" y="1690688"/>
-            <a:ext cx="6069009" cy="2151513"/>
-          </a:xfrm>
-          <a:prstGeom prst="rect">
-            <a:avLst/>
-          </a:prstGeom>
-        </p:spPr>
-      </p:pic>
-      <p:pic>
-        <p:nvPicPr>
-          <p:cNvPr id="11" name="Imagen 10">
-            <a:extLst>
-              <a:ext uri="{FF2B5EF4-FFF2-40B4-BE49-F238E27FC236}">
-                <a16:creationId xmlns:a16="http://schemas.microsoft.com/office/drawing/2014/main" id="{CAE1BBF6-F539-B738-B2BB-5A3D0BA5C092}"/>
-              </a:ext>
-            </a:extLst>
-          </p:cNvPr>
-          <p:cNvPicPr>
-            <a:picLocks noChangeAspect="1"/>
-          </p:cNvPicPr>
-          <p:nvPr/>
-        </p:nvPicPr>
-        <p:blipFill>
-          <a:blip r:embed="rId3"/>
-          <a:stretch>
-            <a:fillRect/>
-          </a:stretch>
-        </p:blipFill>
-        <p:spPr>
-          <a:xfrm>
-            <a:off x="838200" y="4089643"/>
-            <a:ext cx="6069009" cy="2200170"/>
-          </a:xfrm>
-          <a:prstGeom prst="rect">
-            <a:avLst/>
-          </a:prstGeom>
-        </p:spPr>
-      </p:pic>
-      <p:sp>
-        <p:nvSpPr>
-          <p:cNvPr id="13" name="CuadroTexto 12">
-            <a:extLst>
-              <a:ext uri="{FF2B5EF4-FFF2-40B4-BE49-F238E27FC236}">
-                <a16:creationId xmlns:a16="http://schemas.microsoft.com/office/drawing/2014/main" id="{01F3B97A-3AAD-4F56-0BDC-E4A5C67EF9D6}"/>
-              </a:ext>
-            </a:extLst>
-          </p:cNvPr>
-          <p:cNvSpPr txBox="1"/>
-          <p:nvPr/>
-        </p:nvSpPr>
-        <p:spPr>
-          <a:xfrm>
-            <a:off x="7521677" y="1690688"/>
-            <a:ext cx="4198375" cy="3416320"/>
-          </a:xfrm>
-          <a:prstGeom prst="rect">
-            <a:avLst/>
-          </a:prstGeom>
-          <a:noFill/>
-        </p:spPr>
-        <p:txBody>
-          <a:bodyPr wrap="square" rtlCol="0">
-            <a:spAutoFit/>
-          </a:bodyPr>
-          <a:lstStyle/>
-          <a:p>
-            <a:r>
-              <a:rPr lang="es-ES" dirty="0"/>
-              <a:t>Train Set:</a:t>
-            </a:r>
-          </a:p>
-          <a:p>
-            <a:r>
-              <a:rPr lang="es-ES" dirty="0"/>
-              <a:t>		</a:t>
-            </a:r>
-            <a:r>
-              <a:rPr lang="es-ES" dirty="0" err="1"/>
-              <a:t>Accuracy</a:t>
-            </a:r>
-            <a:r>
-              <a:rPr lang="es-ES" dirty="0"/>
-              <a:t>: 0.9588</a:t>
-            </a:r>
-          </a:p>
-          <a:p>
-            <a:r>
-              <a:rPr lang="es-ES" dirty="0"/>
-              <a:t>		</a:t>
-            </a:r>
-            <a:r>
-              <a:rPr lang="es-ES" dirty="0" err="1"/>
-              <a:t>Fscore</a:t>
-            </a:r>
-            <a:r>
-              <a:rPr lang="es-ES" dirty="0"/>
-              <a:t>: 0.9542</a:t>
-            </a:r>
-          </a:p>
-          <a:p>
-            <a:r>
-              <a:rPr lang="es-ES" dirty="0"/>
-              <a:t>		</a:t>
-            </a:r>
-            <a:r>
-              <a:rPr lang="es-ES" dirty="0" err="1"/>
-              <a:t>Loss</a:t>
-            </a:r>
-            <a:r>
-              <a:rPr lang="es-ES" dirty="0"/>
-              <a:t>: 0.5911</a:t>
-            </a:r>
-          </a:p>
-          <a:p>
-            <a:r>
-              <a:rPr lang="es-ES" dirty="0"/>
-              <a:t>Val Set:</a:t>
-            </a:r>
-          </a:p>
-          <a:p>
-            <a:r>
-              <a:rPr lang="es-ES" dirty="0"/>
-              <a:t>		</a:t>
-            </a:r>
-            <a:r>
-              <a:rPr lang="es-ES" dirty="0" err="1"/>
-              <a:t>Accuracy</a:t>
-            </a:r>
-            <a:r>
-              <a:rPr lang="es-ES" dirty="0"/>
-              <a:t>: 0.9841</a:t>
-            </a:r>
-          </a:p>
-          <a:p>
-            <a:r>
-              <a:rPr lang="es-ES" dirty="0"/>
-              <a:t>		</a:t>
-            </a:r>
-            <a:r>
-              <a:rPr lang="es-ES" dirty="0" err="1"/>
-              <a:t>Fscore</a:t>
-            </a:r>
-            <a:r>
-              <a:rPr lang="es-ES" dirty="0"/>
-              <a:t>: 0.9819</a:t>
-            </a:r>
-          </a:p>
-          <a:p>
-            <a:r>
-              <a:rPr lang="es-ES" dirty="0"/>
-              <a:t>		</a:t>
-            </a:r>
-            <a:r>
-              <a:rPr lang="es-ES" dirty="0" err="1"/>
-              <a:t>Loss</a:t>
-            </a:r>
-            <a:r>
-              <a:rPr lang="es-ES" dirty="0"/>
-              <a:t>: 0.5663	</a:t>
-            </a:r>
-          </a:p>
-          <a:p>
-            <a:r>
-              <a:rPr lang="es-ES" dirty="0"/>
-              <a:t>Test Set:</a:t>
-            </a:r>
-          </a:p>
-          <a:p>
-            <a:r>
-              <a:rPr lang="es-ES" dirty="0"/>
-              <a:t>		</a:t>
-            </a:r>
-            <a:r>
-              <a:rPr lang="es-ES" dirty="0" err="1"/>
-              <a:t>Accuracy</a:t>
-            </a:r>
-            <a:r>
-              <a:rPr lang="es-ES" dirty="0"/>
-              <a:t>: 0.766</a:t>
-            </a:r>
-          </a:p>
-          <a:p>
-            <a:r>
-              <a:rPr lang="es-ES" dirty="0"/>
-              <a:t>		</a:t>
-            </a:r>
-            <a:r>
-              <a:rPr lang="es-ES" dirty="0" err="1"/>
-              <a:t>Fscore</a:t>
-            </a:r>
-            <a:r>
-              <a:rPr lang="es-ES" dirty="0"/>
-              <a:t>: 0.766</a:t>
-            </a:r>
-          </a:p>
-          <a:p>
-            <a:r>
-              <a:rPr lang="es-ES" dirty="0"/>
-              <a:t>		</a:t>
-            </a:r>
-            <a:r>
-              <a:rPr lang="es-ES" dirty="0" err="1"/>
-              <a:t>Loss</a:t>
-            </a:r>
-            <a:r>
-              <a:rPr lang="es-ES" dirty="0"/>
-              <a:t>: 0.614</a:t>
-            </a:r>
-          </a:p>
-        </p:txBody>
-      </p:sp>
-    </p:spTree>
-    <p:extLst>
-      <p:ext uri="{BB962C8B-B14F-4D97-AF65-F5344CB8AC3E}">
-        <p14:creationId xmlns:p14="http://schemas.microsoft.com/office/powerpoint/2010/main" val="3294253755"/>
       </p:ext>
     </p:extLst>
   </p:cSld>
@@ -9561,17 +9723,17 @@
             </a:r>
             <a:r>
               <a:rPr lang="es-ES" sz="4000" dirty="0"/>
-              <a:t>/MobileNetV2</a:t>
+              <a:t>/VGG19</a:t>
             </a:r>
           </a:p>
         </p:txBody>
       </p:sp>
       <p:pic>
         <p:nvPicPr>
-          <p:cNvPr id="12" name="Imagen 11">
-            <a:extLst>
-              <a:ext uri="{FF2B5EF4-FFF2-40B4-BE49-F238E27FC236}">
-                <a16:creationId xmlns:a16="http://schemas.microsoft.com/office/drawing/2014/main" id="{6980BA1C-1D90-9DA7-02BE-073E4904A5C5}"/>
+          <p:cNvPr id="9" name="Imagen 8">
+            <a:extLst>
+              <a:ext uri="{FF2B5EF4-FFF2-40B4-BE49-F238E27FC236}">
+                <a16:creationId xmlns:a16="http://schemas.microsoft.com/office/drawing/2014/main" id="{B676EF16-629D-70DC-81E3-11C2A246A766}"/>
               </a:ext>
             </a:extLst>
           </p:cNvPr>
@@ -9588,8 +9750,8 @@
         </p:blipFill>
         <p:spPr>
           <a:xfrm>
-            <a:off x="854451" y="1630384"/>
-            <a:ext cx="6069009" cy="2171936"/>
+            <a:off x="838200" y="1690688"/>
+            <a:ext cx="6069009" cy="2151513"/>
           </a:xfrm>
           <a:prstGeom prst="rect">
             <a:avLst/>
@@ -9598,10 +9760,10 @@
       </p:pic>
       <p:pic>
         <p:nvPicPr>
-          <p:cNvPr id="14" name="Imagen 13">
-            <a:extLst>
-              <a:ext uri="{FF2B5EF4-FFF2-40B4-BE49-F238E27FC236}">
-                <a16:creationId xmlns:a16="http://schemas.microsoft.com/office/drawing/2014/main" id="{89C3A922-42A6-AE0E-E272-30A90CE475E1}"/>
+          <p:cNvPr id="11" name="Imagen 10">
+            <a:extLst>
+              <a:ext uri="{FF2B5EF4-FFF2-40B4-BE49-F238E27FC236}">
+                <a16:creationId xmlns:a16="http://schemas.microsoft.com/office/drawing/2014/main" id="{CAE1BBF6-F539-B738-B2BB-5A3D0BA5C092}"/>
               </a:ext>
             </a:extLst>
           </p:cNvPr>
@@ -9618,8 +9780,8 @@
         </p:blipFill>
         <p:spPr>
           <a:xfrm>
-            <a:off x="838200" y="4021040"/>
-            <a:ext cx="6101509" cy="2171936"/>
+            <a:off x="838200" y="4089643"/>
+            <a:ext cx="6069009" cy="2200170"/>
           </a:xfrm>
           <a:prstGeom prst="rect">
             <a:avLst/>
@@ -9628,10 +9790,10 @@
       </p:pic>
       <p:sp>
         <p:nvSpPr>
-          <p:cNvPr id="15" name="CuadroTexto 14">
-            <a:extLst>
-              <a:ext uri="{FF2B5EF4-FFF2-40B4-BE49-F238E27FC236}">
-                <a16:creationId xmlns:a16="http://schemas.microsoft.com/office/drawing/2014/main" id="{1D038252-1EDF-D2EB-4706-C645EEBDC142}"/>
+          <p:cNvPr id="13" name="CuadroTexto 12">
+            <a:extLst>
+              <a:ext uri="{FF2B5EF4-FFF2-40B4-BE49-F238E27FC236}">
+                <a16:creationId xmlns:a16="http://schemas.microsoft.com/office/drawing/2014/main" id="{01F3B97A-3AAD-4F56-0BDC-E4A5C67EF9D6}"/>
               </a:ext>
             </a:extLst>
           </p:cNvPr>
@@ -9670,7 +9832,7 @@
             </a:r>
             <a:r>
               <a:rPr lang="es-ES" dirty="0"/>
-              <a:t>: 0.9889</a:t>
+              <a:t>: 0.9588</a:t>
             </a:r>
           </a:p>
           <a:p>
@@ -9684,7 +9846,7 @@
             </a:r>
             <a:r>
               <a:rPr lang="es-ES" dirty="0"/>
-              <a:t>: 0.9877</a:t>
+              <a:t>: 0.9542</a:t>
             </a:r>
           </a:p>
           <a:p>
@@ -9698,7 +9860,7 @@
             </a:r>
             <a:r>
               <a:rPr lang="es-ES" dirty="0"/>
-              <a:t>: 0.5633</a:t>
+              <a:t>: 0.5911</a:t>
             </a:r>
           </a:p>
           <a:p>
@@ -9718,7 +9880,7 @@
             </a:r>
             <a:r>
               <a:rPr lang="es-ES" dirty="0"/>
-              <a:t>: 0.9936</a:t>
+              <a:t>: 0.9841</a:t>
             </a:r>
           </a:p>
           <a:p>
@@ -9732,7 +9894,7 @@
             </a:r>
             <a:r>
               <a:rPr lang="es-ES" dirty="0"/>
-              <a:t>: 0.9895</a:t>
+              <a:t>: 0.9819</a:t>
             </a:r>
           </a:p>
           <a:p>
@@ -9746,7 +9908,7 @@
             </a:r>
             <a:r>
               <a:rPr lang="es-ES" dirty="0"/>
-              <a:t>: 0.5634	</a:t>
+              <a:t>: 0.5663	</a:t>
             </a:r>
           </a:p>
           <a:p>
@@ -9766,7 +9928,7 @@
             </a:r>
             <a:r>
               <a:rPr lang="es-ES" dirty="0"/>
-              <a:t>: 0.615</a:t>
+              <a:t>: 0.766</a:t>
             </a:r>
           </a:p>
           <a:p>
@@ -9780,7 +9942,7 @@
             </a:r>
             <a:r>
               <a:rPr lang="es-ES" dirty="0"/>
-              <a:t>: 0.615</a:t>
+              <a:t>: 0.766</a:t>
             </a:r>
           </a:p>
           <a:p>
@@ -9794,7 +9956,7 @@
             </a:r>
             <a:r>
               <a:rPr lang="es-ES" dirty="0"/>
-              <a:t>: 0.853</a:t>
+              <a:t>: 0.614</a:t>
             </a:r>
           </a:p>
         </p:txBody>
@@ -9802,7 +9964,7 @@
     </p:spTree>
     <p:extLst>
       <p:ext uri="{BB962C8B-B14F-4D97-AF65-F5344CB8AC3E}">
-        <p14:creationId xmlns:p14="http://schemas.microsoft.com/office/powerpoint/2010/main" val="1912908943"/>
+        <p14:creationId xmlns:p14="http://schemas.microsoft.com/office/powerpoint/2010/main" val="3294253755"/>
       </p:ext>
     </p:extLst>
   </p:cSld>
@@ -9831,10 +9993,10 @@
       </p:grpSpPr>
       <p:sp>
         <p:nvSpPr>
-          <p:cNvPr id="2" name="Título 1">
-            <a:extLst>
-              <a:ext uri="{FF2B5EF4-FFF2-40B4-BE49-F238E27FC236}">
-                <a16:creationId xmlns:a16="http://schemas.microsoft.com/office/drawing/2014/main" id="{A2893ABC-7383-4C79-A1A0-C2364A586616}"/>
+          <p:cNvPr id="4" name="Título 3">
+            <a:extLst>
+              <a:ext uri="{FF2B5EF4-FFF2-40B4-BE49-F238E27FC236}">
+                <a16:creationId xmlns:a16="http://schemas.microsoft.com/office/drawing/2014/main" id="{35EEAE47-0DFC-59BA-F14F-E02307AA55B4}"/>
               </a:ext>
             </a:extLst>
           </p:cNvPr>
@@ -9853,69 +10015,185 @@
           <a:lstStyle/>
           <a:p>
             <a:r>
-              <a:rPr lang="es-MX" sz="4800" dirty="0" err="1"/>
-              <a:t>Results</a:t>
-            </a:r>
-            <a:endParaRPr lang="es-ES" sz="4800" dirty="0"/>
-          </a:p>
-        </p:txBody>
-      </p:sp>
-      <p:sp>
-        <p:nvSpPr>
-          <p:cNvPr id="3" name="Marcador de texto 2">
-            <a:extLst>
-              <a:ext uri="{FF2B5EF4-FFF2-40B4-BE49-F238E27FC236}">
-                <a16:creationId xmlns:a16="http://schemas.microsoft.com/office/drawing/2014/main" id="{30F89A4F-0461-4CBC-8885-DD3809B8694C}"/>
-              </a:ext>
-            </a:extLst>
-          </p:cNvPr>
-          <p:cNvSpPr>
-            <a:spLocks noGrp="1"/>
-          </p:cNvSpPr>
-          <p:nvPr>
-            <p:ph type="body" idx="1"/>
-          </p:nvPr>
-        </p:nvSpPr>
-        <p:spPr/>
-        <p:txBody>
-          <a:bodyPr/>
+              <a:rPr lang="es-ES" sz="4000" dirty="0" err="1"/>
+              <a:t>ChittagongNet</a:t>
+            </a:r>
+            <a:r>
+              <a:rPr lang="es-ES" sz="4000" dirty="0"/>
+              <a:t>/ResNet18</a:t>
+            </a:r>
+          </a:p>
+        </p:txBody>
+      </p:sp>
+      <p:sp>
+        <p:nvSpPr>
+          <p:cNvPr id="13" name="CuadroTexto 12">
+            <a:extLst>
+              <a:ext uri="{FF2B5EF4-FFF2-40B4-BE49-F238E27FC236}">
+                <a16:creationId xmlns:a16="http://schemas.microsoft.com/office/drawing/2014/main" id="{01F3B97A-3AAD-4F56-0BDC-E4A5C67EF9D6}"/>
+              </a:ext>
+            </a:extLst>
+          </p:cNvPr>
+          <p:cNvSpPr txBox="1"/>
+          <p:nvPr/>
+        </p:nvSpPr>
+        <p:spPr>
+          <a:xfrm>
+            <a:off x="7521677" y="1690688"/>
+            <a:ext cx="4198375" cy="3416320"/>
+          </a:xfrm>
+          <a:prstGeom prst="rect">
+            <a:avLst/>
+          </a:prstGeom>
+          <a:noFill/>
+        </p:spPr>
+        <p:txBody>
+          <a:bodyPr wrap="square" rtlCol="0">
+            <a:spAutoFit/>
+          </a:bodyPr>
           <a:lstStyle/>
           <a:p>
             <a:r>
               <a:rPr lang="es-ES" dirty="0"/>
-              <a:t>What </a:t>
+              <a:t>Train Set:</a:t>
+            </a:r>
+          </a:p>
+          <a:p>
+            <a:r>
+              <a:rPr lang="es-ES" dirty="0"/>
+              <a:t>		</a:t>
             </a:r>
             <a:r>
               <a:rPr lang="es-ES" dirty="0" err="1"/>
-              <a:t>did</a:t>
-            </a:r>
-            <a:r>
-              <a:rPr lang="es-ES" dirty="0"/>
-              <a:t> </a:t>
+              <a:t>Accuracy</a:t>
+            </a:r>
+            <a:r>
+              <a:rPr lang="es-ES" dirty="0"/>
+              <a:t>:</a:t>
+            </a:r>
+          </a:p>
+          <a:p>
+            <a:r>
+              <a:rPr lang="es-ES" dirty="0"/>
+              <a:t>		</a:t>
             </a:r>
             <a:r>
               <a:rPr lang="es-ES" dirty="0" err="1"/>
-              <a:t>our</a:t>
-            </a:r>
-            <a:r>
-              <a:rPr lang="es-ES" dirty="0"/>
-              <a:t> </a:t>
+              <a:t>Fscore</a:t>
+            </a:r>
+            <a:r>
+              <a:rPr lang="es-ES" dirty="0"/>
+              <a:t>:</a:t>
+            </a:r>
+          </a:p>
+          <a:p>
+            <a:r>
+              <a:rPr lang="es-ES" dirty="0"/>
+              <a:t>		</a:t>
             </a:r>
             <a:r>
               <a:rPr lang="es-ES" dirty="0" err="1"/>
-              <a:t>network</a:t>
-            </a:r>
-            <a:r>
-              <a:rPr lang="es-ES" dirty="0"/>
-              <a:t> </a:t>
+              <a:t>Loss</a:t>
+            </a:r>
+            <a:r>
+              <a:rPr lang="es-ES" dirty="0"/>
+              <a:t>:</a:t>
+            </a:r>
+          </a:p>
+          <a:p>
+            <a:r>
+              <a:rPr lang="es-ES" dirty="0"/>
+              <a:t>Val Set:</a:t>
+            </a:r>
+          </a:p>
+          <a:p>
+            <a:r>
+              <a:rPr lang="es-ES" dirty="0"/>
+              <a:t>		</a:t>
             </a:r>
             <a:r>
               <a:rPr lang="es-ES" dirty="0" err="1"/>
-              <a:t>learn</a:t>
-            </a:r>
-            <a:r>
-              <a:rPr lang="es-ES" dirty="0"/>
-              <a:t>?</a:t>
+              <a:t>Accuracy</a:t>
+            </a:r>
+            <a:r>
+              <a:rPr lang="es-ES" dirty="0"/>
+              <a:t>:</a:t>
+            </a:r>
+          </a:p>
+          <a:p>
+            <a:r>
+              <a:rPr lang="es-ES" dirty="0"/>
+              <a:t>		</a:t>
+            </a:r>
+            <a:r>
+              <a:rPr lang="es-ES" dirty="0" err="1"/>
+              <a:t>Fscore</a:t>
+            </a:r>
+            <a:r>
+              <a:rPr lang="es-ES" dirty="0"/>
+              <a:t>:</a:t>
+            </a:r>
+          </a:p>
+          <a:p>
+            <a:r>
+              <a:rPr lang="es-ES" dirty="0"/>
+              <a:t>		</a:t>
+            </a:r>
+            <a:r>
+              <a:rPr lang="es-ES" dirty="0" err="1"/>
+              <a:t>Loss</a:t>
+            </a:r>
+            <a:r>
+              <a:rPr lang="es-ES" dirty="0"/>
+              <a:t>: 	</a:t>
+            </a:r>
+          </a:p>
+          <a:p>
+            <a:r>
+              <a:rPr lang="es-ES" dirty="0"/>
+              <a:t>Test Set:</a:t>
+            </a:r>
+          </a:p>
+          <a:p>
+            <a:r>
+              <a:rPr lang="es-ES" dirty="0"/>
+              <a:t>		</a:t>
+            </a:r>
+            <a:r>
+              <a:rPr lang="es-ES" dirty="0" err="1"/>
+              <a:t>Accuracy</a:t>
+            </a:r>
+            <a:r>
+              <a:rPr lang="es-ES" dirty="0"/>
+              <a:t>:</a:t>
+            </a:r>
+          </a:p>
+          <a:p>
+            <a:r>
+              <a:rPr lang="es-ES" dirty="0"/>
+              <a:t>		</a:t>
+            </a:r>
+            <a:r>
+              <a:rPr lang="es-ES" dirty="0" err="1"/>
+              <a:t>Fscore</a:t>
+            </a:r>
+            <a:r>
+              <a:rPr lang="es-ES" dirty="0"/>
+              <a:t>:</a:t>
+            </a:r>
+          </a:p>
+          <a:p>
+            <a:r>
+              <a:rPr lang="es-ES" dirty="0"/>
+              <a:t>		</a:t>
+            </a:r>
+            <a:r>
+              <a:rPr lang="es-ES" dirty="0" err="1"/>
+              <a:t>Loss</a:t>
+            </a:r>
+            <a:r>
+              <a:rPr lang="es-ES" dirty="0"/>
+              <a:t>:</a:t>
             </a:r>
           </a:p>
         </p:txBody>
@@ -9923,7 +10201,7 @@
     </p:spTree>
     <p:extLst>
       <p:ext uri="{BB962C8B-B14F-4D97-AF65-F5344CB8AC3E}">
-        <p14:creationId xmlns:p14="http://schemas.microsoft.com/office/powerpoint/2010/main" val="1238648003"/>
+        <p14:creationId xmlns:p14="http://schemas.microsoft.com/office/powerpoint/2010/main" val="782353321"/>
       </p:ext>
     </p:extLst>
   </p:cSld>
@@ -10026,7 +10304,7 @@
 </file>
 
 <file path=ppt/slides/slide30.xml><?xml version="1.0" encoding="utf-8"?>
-<p:sld xmlns:a="http://schemas.openxmlformats.org/drawingml/2006/main" xmlns:r="http://schemas.openxmlformats.org/officeDocument/2006/relationships" xmlns:p="http://schemas.openxmlformats.org/presentationml/2006/main">
+<p:sld xmlns:a="http://schemas.openxmlformats.org/drawingml/2006/main" xmlns:r="http://schemas.openxmlformats.org/officeDocument/2006/relationships" xmlns:p="http://schemas.openxmlformats.org/presentationml/2006/main" show="0">
   <p:cSld>
     <p:spTree>
       <p:nvGrpSpPr>
@@ -10067,26 +10345,21 @@
           <a:p>
             <a:r>
               <a:rPr lang="es-ES" sz="4000" dirty="0" err="1"/>
-              <a:t>Feature</a:t>
+              <a:t>ChittagongNet</a:t>
             </a:r>
             <a:r>
               <a:rPr lang="es-ES" sz="4000" dirty="0"/>
-              <a:t> </a:t>
-            </a:r>
-            <a:r>
-              <a:rPr lang="es-ES" sz="4000" dirty="0" err="1"/>
-              <a:t>Activations</a:t>
-            </a:r>
-            <a:endParaRPr lang="es-ES" sz="4000" dirty="0"/>
+              <a:t>/MobileNetV2</a:t>
+            </a:r>
           </a:p>
         </p:txBody>
       </p:sp>
       <p:pic>
         <p:nvPicPr>
-          <p:cNvPr id="3" name="Imagen 2">
-            <a:extLst>
-              <a:ext uri="{FF2B5EF4-FFF2-40B4-BE49-F238E27FC236}">
-                <a16:creationId xmlns:a16="http://schemas.microsoft.com/office/drawing/2014/main" id="{F39404E2-97F1-ECC7-F2C4-7EF88E9F6F1E}"/>
+          <p:cNvPr id="12" name="Imagen 11">
+            <a:extLst>
+              <a:ext uri="{FF2B5EF4-FFF2-40B4-BE49-F238E27FC236}">
+                <a16:creationId xmlns:a16="http://schemas.microsoft.com/office/drawing/2014/main" id="{6980BA1C-1D90-9DA7-02BE-073E4904A5C5}"/>
               </a:ext>
             </a:extLst>
           </p:cNvPr>
@@ -10103,8 +10376,8 @@
         </p:blipFill>
         <p:spPr>
           <a:xfrm>
-            <a:off x="838200" y="1690688"/>
-            <a:ext cx="4214622" cy="4733924"/>
+            <a:off x="854451" y="1630384"/>
+            <a:ext cx="6069009" cy="2171936"/>
           </a:xfrm>
           <a:prstGeom prst="rect">
             <a:avLst/>
@@ -10113,10 +10386,10 @@
       </p:pic>
       <p:pic>
         <p:nvPicPr>
-          <p:cNvPr id="6" name="Imagen 5">
-            <a:extLst>
-              <a:ext uri="{FF2B5EF4-FFF2-40B4-BE49-F238E27FC236}">
-                <a16:creationId xmlns:a16="http://schemas.microsoft.com/office/drawing/2014/main" id="{72DBB297-1153-C124-7FBB-9A7C85346B1E}"/>
+          <p:cNvPr id="14" name="Imagen 13">
+            <a:extLst>
+              <a:ext uri="{FF2B5EF4-FFF2-40B4-BE49-F238E27FC236}">
+                <a16:creationId xmlns:a16="http://schemas.microsoft.com/office/drawing/2014/main" id="{89C3A922-42A6-AE0E-E272-30A90CE475E1}"/>
               </a:ext>
             </a:extLst>
           </p:cNvPr>
@@ -10133,18 +10406,191 @@
         </p:blipFill>
         <p:spPr>
           <a:xfrm>
-            <a:off x="5542988" y="1690688"/>
-            <a:ext cx="4214622" cy="4733924"/>
+            <a:off x="838200" y="4021040"/>
+            <a:ext cx="6101509" cy="2171936"/>
           </a:xfrm>
           <a:prstGeom prst="rect">
             <a:avLst/>
           </a:prstGeom>
         </p:spPr>
       </p:pic>
+      <p:sp>
+        <p:nvSpPr>
+          <p:cNvPr id="15" name="CuadroTexto 14">
+            <a:extLst>
+              <a:ext uri="{FF2B5EF4-FFF2-40B4-BE49-F238E27FC236}">
+                <a16:creationId xmlns:a16="http://schemas.microsoft.com/office/drawing/2014/main" id="{1D038252-1EDF-D2EB-4706-C645EEBDC142}"/>
+              </a:ext>
+            </a:extLst>
+          </p:cNvPr>
+          <p:cNvSpPr txBox="1"/>
+          <p:nvPr/>
+        </p:nvSpPr>
+        <p:spPr>
+          <a:xfrm>
+            <a:off x="7521677" y="1690688"/>
+            <a:ext cx="4198375" cy="3416320"/>
+          </a:xfrm>
+          <a:prstGeom prst="rect">
+            <a:avLst/>
+          </a:prstGeom>
+          <a:noFill/>
+        </p:spPr>
+        <p:txBody>
+          <a:bodyPr wrap="square" rtlCol="0">
+            <a:spAutoFit/>
+          </a:bodyPr>
+          <a:lstStyle/>
+          <a:p>
+            <a:r>
+              <a:rPr lang="es-ES" dirty="0"/>
+              <a:t>Train Set:</a:t>
+            </a:r>
+          </a:p>
+          <a:p>
+            <a:r>
+              <a:rPr lang="es-ES" dirty="0"/>
+              <a:t>		</a:t>
+            </a:r>
+            <a:r>
+              <a:rPr lang="es-ES" dirty="0" err="1"/>
+              <a:t>Accuracy</a:t>
+            </a:r>
+            <a:r>
+              <a:rPr lang="es-ES" dirty="0"/>
+              <a:t>: 0.9889</a:t>
+            </a:r>
+          </a:p>
+          <a:p>
+            <a:r>
+              <a:rPr lang="es-ES" dirty="0"/>
+              <a:t>		</a:t>
+            </a:r>
+            <a:r>
+              <a:rPr lang="es-ES" dirty="0" err="1"/>
+              <a:t>Fscore</a:t>
+            </a:r>
+            <a:r>
+              <a:rPr lang="es-ES" dirty="0"/>
+              <a:t>: 0.9877</a:t>
+            </a:r>
+          </a:p>
+          <a:p>
+            <a:r>
+              <a:rPr lang="es-ES" dirty="0"/>
+              <a:t>		</a:t>
+            </a:r>
+            <a:r>
+              <a:rPr lang="es-ES" dirty="0" err="1"/>
+              <a:t>Loss</a:t>
+            </a:r>
+            <a:r>
+              <a:rPr lang="es-ES" dirty="0"/>
+              <a:t>: 0.5633</a:t>
+            </a:r>
+          </a:p>
+          <a:p>
+            <a:r>
+              <a:rPr lang="es-ES" dirty="0"/>
+              <a:t>Val Set:</a:t>
+            </a:r>
+          </a:p>
+          <a:p>
+            <a:r>
+              <a:rPr lang="es-ES" dirty="0"/>
+              <a:t>		</a:t>
+            </a:r>
+            <a:r>
+              <a:rPr lang="es-ES" dirty="0" err="1"/>
+              <a:t>Accuracy</a:t>
+            </a:r>
+            <a:r>
+              <a:rPr lang="es-ES" dirty="0"/>
+              <a:t>: 0.9936</a:t>
+            </a:r>
+          </a:p>
+          <a:p>
+            <a:r>
+              <a:rPr lang="es-ES" dirty="0"/>
+              <a:t>		</a:t>
+            </a:r>
+            <a:r>
+              <a:rPr lang="es-ES" dirty="0" err="1"/>
+              <a:t>Fscore</a:t>
+            </a:r>
+            <a:r>
+              <a:rPr lang="es-ES" dirty="0"/>
+              <a:t>: 0.9895</a:t>
+            </a:r>
+          </a:p>
+          <a:p>
+            <a:r>
+              <a:rPr lang="es-ES" dirty="0"/>
+              <a:t>		</a:t>
+            </a:r>
+            <a:r>
+              <a:rPr lang="es-ES" dirty="0" err="1"/>
+              <a:t>Loss</a:t>
+            </a:r>
+            <a:r>
+              <a:rPr lang="es-ES" dirty="0"/>
+              <a:t>: 0.5634	</a:t>
+            </a:r>
+          </a:p>
+          <a:p>
+            <a:r>
+              <a:rPr lang="es-ES" dirty="0"/>
+              <a:t>Test Set:</a:t>
+            </a:r>
+          </a:p>
+          <a:p>
+            <a:r>
+              <a:rPr lang="es-ES" dirty="0"/>
+              <a:t>		</a:t>
+            </a:r>
+            <a:r>
+              <a:rPr lang="es-ES" dirty="0" err="1"/>
+              <a:t>Accuracy</a:t>
+            </a:r>
+            <a:r>
+              <a:rPr lang="es-ES" dirty="0"/>
+              <a:t>: 0.615</a:t>
+            </a:r>
+          </a:p>
+          <a:p>
+            <a:r>
+              <a:rPr lang="es-ES" dirty="0"/>
+              <a:t>		</a:t>
+            </a:r>
+            <a:r>
+              <a:rPr lang="es-ES" dirty="0" err="1"/>
+              <a:t>Fscore</a:t>
+            </a:r>
+            <a:r>
+              <a:rPr lang="es-ES" dirty="0"/>
+              <a:t>: 0.615</a:t>
+            </a:r>
+          </a:p>
+          <a:p>
+            <a:r>
+              <a:rPr lang="es-ES" dirty="0"/>
+              <a:t>		</a:t>
+            </a:r>
+            <a:r>
+              <a:rPr lang="es-ES" dirty="0" err="1"/>
+              <a:t>Loss</a:t>
+            </a:r>
+            <a:r>
+              <a:rPr lang="es-ES" dirty="0"/>
+              <a:t>: 0.853</a:t>
+            </a:r>
+          </a:p>
+        </p:txBody>
+      </p:sp>
     </p:spTree>
     <p:extLst>
       <p:ext uri="{BB962C8B-B14F-4D97-AF65-F5344CB8AC3E}">
-        <p14:creationId xmlns:p14="http://schemas.microsoft.com/office/powerpoint/2010/main" val="57287860"/>
+        <p14:creationId xmlns:p14="http://schemas.microsoft.com/office/powerpoint/2010/main" val="1912908943"/>
       </p:ext>
     </p:extLst>
   </p:cSld>
@@ -10173,10 +10619,10 @@
       </p:grpSpPr>
       <p:sp>
         <p:nvSpPr>
-          <p:cNvPr id="4" name="Título 3">
-            <a:extLst>
-              <a:ext uri="{FF2B5EF4-FFF2-40B4-BE49-F238E27FC236}">
-                <a16:creationId xmlns:a16="http://schemas.microsoft.com/office/drawing/2014/main" id="{35EEAE47-0DFC-59BA-F14F-E02307AA55B4}"/>
+          <p:cNvPr id="2" name="Título 1">
+            <a:extLst>
+              <a:ext uri="{FF2B5EF4-FFF2-40B4-BE49-F238E27FC236}">
+                <a16:creationId xmlns:a16="http://schemas.microsoft.com/office/drawing/2014/main" id="{A2893ABC-7383-4C79-A1A0-C2364A586616}"/>
               </a:ext>
             </a:extLst>
           </p:cNvPr>
@@ -10195,85 +10641,77 @@
           <a:lstStyle/>
           <a:p>
             <a:r>
-              <a:rPr lang="es-ES" sz="4000" dirty="0" err="1"/>
-              <a:t>Feature</a:t>
-            </a:r>
-            <a:r>
-              <a:rPr lang="es-ES" sz="4000" dirty="0"/>
+              <a:rPr lang="es-MX" sz="4800" dirty="0" err="1"/>
+              <a:t>Results</a:t>
+            </a:r>
+            <a:endParaRPr lang="es-ES" sz="4800" dirty="0"/>
+          </a:p>
+        </p:txBody>
+      </p:sp>
+      <p:sp>
+        <p:nvSpPr>
+          <p:cNvPr id="3" name="Marcador de texto 2">
+            <a:extLst>
+              <a:ext uri="{FF2B5EF4-FFF2-40B4-BE49-F238E27FC236}">
+                <a16:creationId xmlns:a16="http://schemas.microsoft.com/office/drawing/2014/main" id="{30F89A4F-0461-4CBC-8885-DD3809B8694C}"/>
+              </a:ext>
+            </a:extLst>
+          </p:cNvPr>
+          <p:cNvSpPr>
+            <a:spLocks noGrp="1"/>
+          </p:cNvSpPr>
+          <p:nvPr>
+            <p:ph type="body" idx="1"/>
+          </p:nvPr>
+        </p:nvSpPr>
+        <p:spPr/>
+        <p:txBody>
+          <a:bodyPr/>
+          <a:lstStyle/>
+          <a:p>
+            <a:r>
+              <a:rPr lang="es-ES" dirty="0"/>
+              <a:t>What </a:t>
+            </a:r>
+            <a:r>
+              <a:rPr lang="es-ES" dirty="0" err="1"/>
+              <a:t>did</a:t>
+            </a:r>
+            <a:r>
+              <a:rPr lang="es-ES" dirty="0"/>
               <a:t> </a:t>
             </a:r>
             <a:r>
-              <a:rPr lang="es-ES" sz="4000" dirty="0" err="1"/>
-              <a:t>Activations</a:t>
-            </a:r>
-            <a:endParaRPr lang="es-ES" sz="4000" dirty="0"/>
-          </a:p>
-        </p:txBody>
-      </p:sp>
-      <p:pic>
-        <p:nvPicPr>
-          <p:cNvPr id="5" name="Imagen 4">
-            <a:extLst>
-              <a:ext uri="{FF2B5EF4-FFF2-40B4-BE49-F238E27FC236}">
-                <a16:creationId xmlns:a16="http://schemas.microsoft.com/office/drawing/2014/main" id="{0181F3DA-D01A-D896-9F63-8ED4C47032B4}"/>
-              </a:ext>
-            </a:extLst>
-          </p:cNvPr>
-          <p:cNvPicPr>
-            <a:picLocks noChangeAspect="1"/>
-          </p:cNvPicPr>
-          <p:nvPr/>
-        </p:nvPicPr>
-        <p:blipFill>
-          <a:blip r:embed="rId2"/>
-          <a:stretch>
-            <a:fillRect/>
-          </a:stretch>
-        </p:blipFill>
-        <p:spPr>
-          <a:xfrm>
-            <a:off x="838200" y="1690688"/>
-            <a:ext cx="4214622" cy="4733924"/>
-          </a:xfrm>
-          <a:prstGeom prst="rect">
-            <a:avLst/>
-          </a:prstGeom>
-        </p:spPr>
-      </p:pic>
-      <p:pic>
-        <p:nvPicPr>
-          <p:cNvPr id="8" name="Imagen 7">
-            <a:extLst>
-              <a:ext uri="{FF2B5EF4-FFF2-40B4-BE49-F238E27FC236}">
-                <a16:creationId xmlns:a16="http://schemas.microsoft.com/office/drawing/2014/main" id="{7FE87E83-5B81-D8DB-FF45-733ED30E8A0A}"/>
-              </a:ext>
-            </a:extLst>
-          </p:cNvPr>
-          <p:cNvPicPr>
-            <a:picLocks noChangeAspect="1"/>
-          </p:cNvPicPr>
-          <p:nvPr/>
-        </p:nvPicPr>
-        <p:blipFill>
-          <a:blip r:embed="rId3"/>
-          <a:stretch>
-            <a:fillRect/>
-          </a:stretch>
-        </p:blipFill>
-        <p:spPr>
-          <a:xfrm>
-            <a:off x="5559031" y="1690688"/>
-            <a:ext cx="4214622" cy="4733924"/>
-          </a:xfrm>
-          <a:prstGeom prst="rect">
-            <a:avLst/>
-          </a:prstGeom>
-        </p:spPr>
-      </p:pic>
+              <a:rPr lang="es-ES" dirty="0" err="1"/>
+              <a:t>our</a:t>
+            </a:r>
+            <a:r>
+              <a:rPr lang="es-ES" dirty="0"/>
+              <a:t> </a:t>
+            </a:r>
+            <a:r>
+              <a:rPr lang="es-ES" dirty="0" err="1"/>
+              <a:t>network</a:t>
+            </a:r>
+            <a:r>
+              <a:rPr lang="es-ES" dirty="0"/>
+              <a:t> </a:t>
+            </a:r>
+            <a:r>
+              <a:rPr lang="es-ES" dirty="0" err="1"/>
+              <a:t>learn</a:t>
+            </a:r>
+            <a:r>
+              <a:rPr lang="es-ES" dirty="0"/>
+              <a:t>?</a:t>
+            </a:r>
+          </a:p>
+        </p:txBody>
+      </p:sp>
     </p:spTree>
     <p:extLst>
       <p:ext uri="{BB962C8B-B14F-4D97-AF65-F5344CB8AC3E}">
-        <p14:creationId xmlns:p14="http://schemas.microsoft.com/office/powerpoint/2010/main" val="2072493464"/>
+        <p14:creationId xmlns:p14="http://schemas.microsoft.com/office/powerpoint/2010/main" val="1238648003"/>
       </p:ext>
     </p:extLst>
   </p:cSld>
@@ -10325,15 +10763,7 @@
           <a:p>
             <a:r>
               <a:rPr lang="es-ES" sz="4000" dirty="0" err="1"/>
-              <a:t>GradCAM</a:t>
-            </a:r>
-            <a:r>
-              <a:rPr lang="es-ES" sz="4000" dirty="0"/>
-              <a:t> – </a:t>
-            </a:r>
-            <a:r>
-              <a:rPr lang="es-ES" sz="4000" dirty="0" err="1"/>
-              <a:t>Gradient</a:t>
+              <a:t>Feature</a:t>
             </a:r>
             <a:r>
               <a:rPr lang="es-ES" sz="4000" dirty="0"/>
@@ -10341,7 +10771,7 @@
             </a:r>
             <a:r>
               <a:rPr lang="es-ES" sz="4000" dirty="0" err="1"/>
-              <a:t>Visualization</a:t>
+              <a:t>Activations</a:t>
             </a:r>
             <a:endParaRPr lang="es-ES" sz="4000" dirty="0"/>
           </a:p>
@@ -10352,7 +10782,7 @@
           <p:cNvPr id="3" name="Imagen 2">
             <a:extLst>
               <a:ext uri="{FF2B5EF4-FFF2-40B4-BE49-F238E27FC236}">
-                <a16:creationId xmlns:a16="http://schemas.microsoft.com/office/drawing/2014/main" id="{59D6EFF7-D1B6-6D40-26BF-D9126ABC6583}"/>
+                <a16:creationId xmlns:a16="http://schemas.microsoft.com/office/drawing/2014/main" id="{F39404E2-97F1-ECC7-F2C4-7EF88E9F6F1E}"/>
               </a:ext>
             </a:extLst>
           </p:cNvPr>
@@ -10369,48 +10799,80 @@
         </p:blipFill>
         <p:spPr>
           <a:xfrm>
-            <a:off x="838200" y="1690688"/>
-            <a:ext cx="4048125" cy="4143375"/>
+            <a:off x="5685503" y="1690688"/>
+            <a:ext cx="4214622" cy="4733924"/>
           </a:xfrm>
           <a:prstGeom prst="rect">
             <a:avLst/>
           </a:prstGeom>
         </p:spPr>
       </p:pic>
-      <p:pic>
-        <p:nvPicPr>
-          <p:cNvPr id="5" name="Imagen 4">
-            <a:extLst>
-              <a:ext uri="{FF2B5EF4-FFF2-40B4-BE49-F238E27FC236}">
-                <a16:creationId xmlns:a16="http://schemas.microsoft.com/office/drawing/2014/main" id="{84A35870-3270-EB97-4A0F-AD8B38FB9FF9}"/>
-              </a:ext>
-            </a:extLst>
-          </p:cNvPr>
-          <p:cNvPicPr>
-            <a:picLocks noChangeAspect="1"/>
-          </p:cNvPicPr>
+      <p:sp>
+        <p:nvSpPr>
+          <p:cNvPr id="2" name="CuadroTexto 1">
+            <a:extLst>
+              <a:ext uri="{FF2B5EF4-FFF2-40B4-BE49-F238E27FC236}">
+                <a16:creationId xmlns:a16="http://schemas.microsoft.com/office/drawing/2014/main" id="{7DEF981C-3A96-0521-0A0C-F85D47FA86DF}"/>
+              </a:ext>
+            </a:extLst>
+          </p:cNvPr>
+          <p:cNvSpPr txBox="1"/>
           <p:nvPr/>
-        </p:nvPicPr>
-        <p:blipFill>
-          <a:blip r:embed="rId3"/>
-          <a:stretch>
-            <a:fillRect/>
-          </a:stretch>
-        </p:blipFill>
+        </p:nvSpPr>
         <p:spPr>
           <a:xfrm>
-            <a:off x="5438931" y="1690688"/>
-            <a:ext cx="4048125" cy="4143375"/>
+            <a:off x="943897" y="1612490"/>
+            <a:ext cx="4424516" cy="523220"/>
           </a:xfrm>
           <a:prstGeom prst="rect">
             <a:avLst/>
           </a:prstGeom>
+          <a:noFill/>
         </p:spPr>
-      </p:pic>
+        <p:txBody>
+          <a:bodyPr wrap="square" rtlCol="0">
+            <a:spAutoFit/>
+          </a:bodyPr>
+          <a:lstStyle/>
+          <a:p>
+            <a:pPr marL="285750" indent="-285750">
+              <a:buFont typeface="Arial" panose="020B0604020202020204" pitchFamily="34" charset="0"/>
+              <a:buChar char="•"/>
+            </a:pPr>
+            <a:r>
+              <a:rPr lang="es-ES" sz="2800" dirty="0">
+                <a:latin typeface="Arial" panose="020B0604020202020204" pitchFamily="34" charset="0"/>
+              </a:rPr>
+              <a:t>Bla </a:t>
+            </a:r>
+            <a:r>
+              <a:rPr lang="es-ES" sz="2800" dirty="0" err="1">
+                <a:latin typeface="Arial" panose="020B0604020202020204" pitchFamily="34" charset="0"/>
+              </a:rPr>
+              <a:t>bla</a:t>
+            </a:r>
+            <a:r>
+              <a:rPr lang="es-ES" sz="2800" dirty="0">
+                <a:latin typeface="Arial" panose="020B0604020202020204" pitchFamily="34" charset="0"/>
+              </a:rPr>
+              <a:t> </a:t>
+            </a:r>
+            <a:r>
+              <a:rPr lang="es-ES" sz="2800" dirty="0" err="1">
+                <a:latin typeface="Arial" panose="020B0604020202020204" pitchFamily="34" charset="0"/>
+              </a:rPr>
+              <a:t>bla</a:t>
+            </a:r>
+            <a:endParaRPr lang="es-ES" sz="2800" dirty="0">
+              <a:latin typeface="Arial" panose="020B0604020202020204" pitchFamily="34" charset="0"/>
+            </a:endParaRPr>
+          </a:p>
+        </p:txBody>
+      </p:sp>
     </p:spTree>
     <p:extLst>
       <p:ext uri="{BB962C8B-B14F-4D97-AF65-F5344CB8AC3E}">
-        <p14:creationId xmlns:p14="http://schemas.microsoft.com/office/powerpoint/2010/main" val="2991813537"/>
+        <p14:creationId xmlns:p14="http://schemas.microsoft.com/office/powerpoint/2010/main" val="57287860"/>
       </p:ext>
     </p:extLst>
   </p:cSld>
@@ -10462,15 +10924,7 @@
           <a:p>
             <a:r>
               <a:rPr lang="es-ES" sz="4000" dirty="0" err="1"/>
-              <a:t>GradCAM</a:t>
-            </a:r>
-            <a:r>
-              <a:rPr lang="es-ES" sz="4000" dirty="0"/>
-              <a:t> – </a:t>
-            </a:r>
-            <a:r>
-              <a:rPr lang="es-ES" sz="4000" dirty="0" err="1"/>
-              <a:t>Gradient</a:t>
+              <a:t>Feature</a:t>
             </a:r>
             <a:r>
               <a:rPr lang="es-ES" sz="4000" dirty="0"/>
@@ -10478,7 +10932,7 @@
             </a:r>
             <a:r>
               <a:rPr lang="es-ES" sz="4000" dirty="0" err="1"/>
-              <a:t>Visualization</a:t>
+              <a:t>Activations</a:t>
             </a:r>
             <a:endParaRPr lang="es-ES" sz="4000" dirty="0"/>
           </a:p>
@@ -10486,10 +10940,10 @@
       </p:sp>
       <p:pic>
         <p:nvPicPr>
-          <p:cNvPr id="6" name="Imagen 5">
-            <a:extLst>
-              <a:ext uri="{FF2B5EF4-FFF2-40B4-BE49-F238E27FC236}">
-                <a16:creationId xmlns:a16="http://schemas.microsoft.com/office/drawing/2014/main" id="{1D8E9E56-545D-65D8-54B1-76B670C32529}"/>
+          <p:cNvPr id="5" name="Imagen 4">
+            <a:extLst>
+              <a:ext uri="{FF2B5EF4-FFF2-40B4-BE49-F238E27FC236}">
+                <a16:creationId xmlns:a16="http://schemas.microsoft.com/office/drawing/2014/main" id="{0181F3DA-D01A-D896-9F63-8ED4C47032B4}"/>
               </a:ext>
             </a:extLst>
           </p:cNvPr>
@@ -10506,7 +10960,114 @@
         </p:blipFill>
         <p:spPr>
           <a:xfrm>
-            <a:off x="5439697" y="1690689"/>
+            <a:off x="838200" y="1690688"/>
+            <a:ext cx="4214622" cy="4733924"/>
+          </a:xfrm>
+          <a:prstGeom prst="rect">
+            <a:avLst/>
+          </a:prstGeom>
+        </p:spPr>
+      </p:pic>
+    </p:spTree>
+    <p:extLst>
+      <p:ext uri="{BB962C8B-B14F-4D97-AF65-F5344CB8AC3E}">
+        <p14:creationId xmlns:p14="http://schemas.microsoft.com/office/powerpoint/2010/main" val="2072493464"/>
+      </p:ext>
+    </p:extLst>
+  </p:cSld>
+  <p:clrMapOvr>
+    <a:masterClrMapping/>
+  </p:clrMapOvr>
+</p:sld>
+</file>
+
+<file path=ppt/slides/slide34.xml><?xml version="1.0" encoding="utf-8"?>
+<p:sld xmlns:a="http://schemas.openxmlformats.org/drawingml/2006/main" xmlns:r="http://schemas.openxmlformats.org/officeDocument/2006/relationships" xmlns:p="http://schemas.openxmlformats.org/presentationml/2006/main">
+  <p:cSld>
+    <p:spTree>
+      <p:nvGrpSpPr>
+        <p:cNvPr id="1" name=""/>
+        <p:cNvGrpSpPr/>
+        <p:nvPr/>
+      </p:nvGrpSpPr>
+      <p:grpSpPr>
+        <a:xfrm>
+          <a:off x="0" y="0"/>
+          <a:ext cx="0" cy="0"/>
+          <a:chOff x="0" y="0"/>
+          <a:chExt cx="0" cy="0"/>
+        </a:xfrm>
+      </p:grpSpPr>
+      <p:sp>
+        <p:nvSpPr>
+          <p:cNvPr id="4" name="Título 3">
+            <a:extLst>
+              <a:ext uri="{FF2B5EF4-FFF2-40B4-BE49-F238E27FC236}">
+                <a16:creationId xmlns:a16="http://schemas.microsoft.com/office/drawing/2014/main" id="{35EEAE47-0DFC-59BA-F14F-E02307AA55B4}"/>
+              </a:ext>
+            </a:extLst>
+          </p:cNvPr>
+          <p:cNvSpPr>
+            <a:spLocks noGrp="1"/>
+          </p:cNvSpPr>
+          <p:nvPr>
+            <p:ph type="title"/>
+          </p:nvPr>
+        </p:nvSpPr>
+        <p:spPr/>
+        <p:txBody>
+          <a:bodyPr>
+            <a:normAutofit/>
+          </a:bodyPr>
+          <a:lstStyle/>
+          <a:p>
+            <a:r>
+              <a:rPr lang="es-ES" sz="4000" dirty="0" err="1"/>
+              <a:t>GradCAM</a:t>
+            </a:r>
+            <a:r>
+              <a:rPr lang="es-ES" sz="4000" dirty="0"/>
+              <a:t> – </a:t>
+            </a:r>
+            <a:r>
+              <a:rPr lang="es-ES" sz="4000" dirty="0" err="1"/>
+              <a:t>Gradient</a:t>
+            </a:r>
+            <a:r>
+              <a:rPr lang="es-ES" sz="4000" dirty="0"/>
+              <a:t> </a:t>
+            </a:r>
+            <a:r>
+              <a:rPr lang="es-ES" sz="4000" dirty="0" err="1"/>
+              <a:t>Visualization</a:t>
+            </a:r>
+            <a:endParaRPr lang="es-ES" sz="4000" dirty="0"/>
+          </a:p>
+        </p:txBody>
+      </p:sp>
+      <p:pic>
+        <p:nvPicPr>
+          <p:cNvPr id="3" name="Imagen 2">
+            <a:extLst>
+              <a:ext uri="{FF2B5EF4-FFF2-40B4-BE49-F238E27FC236}">
+                <a16:creationId xmlns:a16="http://schemas.microsoft.com/office/drawing/2014/main" id="{59D6EFF7-D1B6-6D40-26BF-D9126ABC6583}"/>
+              </a:ext>
+            </a:extLst>
+          </p:cNvPr>
+          <p:cNvPicPr>
+            <a:picLocks noChangeAspect="1"/>
+          </p:cNvPicPr>
+          <p:nvPr/>
+        </p:nvPicPr>
+        <p:blipFill>
+          <a:blip r:embed="rId2"/>
+          <a:stretch>
+            <a:fillRect/>
+          </a:stretch>
+        </p:blipFill>
+        <p:spPr>
+          <a:xfrm>
+            <a:off x="6540909" y="1690688"/>
             <a:ext cx="4048125" cy="4143375"/>
           </a:xfrm>
           <a:prstGeom prst="rect">
@@ -10514,6 +11075,145 @@
           </a:prstGeom>
         </p:spPr>
       </p:pic>
+      <p:sp>
+        <p:nvSpPr>
+          <p:cNvPr id="2" name="CuadroTexto 1">
+            <a:extLst>
+              <a:ext uri="{FF2B5EF4-FFF2-40B4-BE49-F238E27FC236}">
+                <a16:creationId xmlns:a16="http://schemas.microsoft.com/office/drawing/2014/main" id="{4C167AD2-F957-08B8-0CB5-895912C62FA5}"/>
+              </a:ext>
+            </a:extLst>
+          </p:cNvPr>
+          <p:cNvSpPr txBox="1"/>
+          <p:nvPr/>
+        </p:nvSpPr>
+        <p:spPr>
+          <a:xfrm>
+            <a:off x="943897" y="1612490"/>
+            <a:ext cx="4424516" cy="523220"/>
+          </a:xfrm>
+          <a:prstGeom prst="rect">
+            <a:avLst/>
+          </a:prstGeom>
+          <a:noFill/>
+        </p:spPr>
+        <p:txBody>
+          <a:bodyPr wrap="square" rtlCol="0">
+            <a:spAutoFit/>
+          </a:bodyPr>
+          <a:lstStyle/>
+          <a:p>
+            <a:pPr marL="285750" indent="-285750">
+              <a:buFont typeface="Arial" panose="020B0604020202020204" pitchFamily="34" charset="0"/>
+              <a:buChar char="•"/>
+            </a:pPr>
+            <a:r>
+              <a:rPr lang="es-ES" sz="2800" dirty="0">
+                <a:latin typeface="Arial" panose="020B0604020202020204" pitchFamily="34" charset="0"/>
+              </a:rPr>
+              <a:t>Bla </a:t>
+            </a:r>
+            <a:r>
+              <a:rPr lang="es-ES" sz="2800" dirty="0" err="1">
+                <a:latin typeface="Arial" panose="020B0604020202020204" pitchFamily="34" charset="0"/>
+              </a:rPr>
+              <a:t>bla</a:t>
+            </a:r>
+            <a:r>
+              <a:rPr lang="es-ES" sz="2800" dirty="0">
+                <a:latin typeface="Arial" panose="020B0604020202020204" pitchFamily="34" charset="0"/>
+              </a:rPr>
+              <a:t> </a:t>
+            </a:r>
+            <a:r>
+              <a:rPr lang="es-ES" sz="2800" dirty="0" err="1">
+                <a:latin typeface="Arial" panose="020B0604020202020204" pitchFamily="34" charset="0"/>
+              </a:rPr>
+              <a:t>bla</a:t>
+            </a:r>
+            <a:endParaRPr lang="es-ES" sz="2800" dirty="0">
+              <a:latin typeface="Arial" panose="020B0604020202020204" pitchFamily="34" charset="0"/>
+            </a:endParaRPr>
+          </a:p>
+        </p:txBody>
+      </p:sp>
+    </p:spTree>
+    <p:extLst>
+      <p:ext uri="{BB962C8B-B14F-4D97-AF65-F5344CB8AC3E}">
+        <p14:creationId xmlns:p14="http://schemas.microsoft.com/office/powerpoint/2010/main" val="2991813537"/>
+      </p:ext>
+    </p:extLst>
+  </p:cSld>
+  <p:clrMapOvr>
+    <a:masterClrMapping/>
+  </p:clrMapOvr>
+</p:sld>
+</file>
+
+<file path=ppt/slides/slide35.xml><?xml version="1.0" encoding="utf-8"?>
+<p:sld xmlns:a="http://schemas.openxmlformats.org/drawingml/2006/main" xmlns:r="http://schemas.openxmlformats.org/officeDocument/2006/relationships" xmlns:p="http://schemas.openxmlformats.org/presentationml/2006/main">
+  <p:cSld>
+    <p:spTree>
+      <p:nvGrpSpPr>
+        <p:cNvPr id="1" name=""/>
+        <p:cNvGrpSpPr/>
+        <p:nvPr/>
+      </p:nvGrpSpPr>
+      <p:grpSpPr>
+        <a:xfrm>
+          <a:off x="0" y="0"/>
+          <a:ext cx="0" cy="0"/>
+          <a:chOff x="0" y="0"/>
+          <a:chExt cx="0" cy="0"/>
+        </a:xfrm>
+      </p:grpSpPr>
+      <p:sp>
+        <p:nvSpPr>
+          <p:cNvPr id="4" name="Título 3">
+            <a:extLst>
+              <a:ext uri="{FF2B5EF4-FFF2-40B4-BE49-F238E27FC236}">
+                <a16:creationId xmlns:a16="http://schemas.microsoft.com/office/drawing/2014/main" id="{35EEAE47-0DFC-59BA-F14F-E02307AA55B4}"/>
+              </a:ext>
+            </a:extLst>
+          </p:cNvPr>
+          <p:cNvSpPr>
+            <a:spLocks noGrp="1"/>
+          </p:cNvSpPr>
+          <p:nvPr>
+            <p:ph type="title"/>
+          </p:nvPr>
+        </p:nvSpPr>
+        <p:spPr/>
+        <p:txBody>
+          <a:bodyPr>
+            <a:normAutofit/>
+          </a:bodyPr>
+          <a:lstStyle/>
+          <a:p>
+            <a:r>
+              <a:rPr lang="es-ES" sz="4000" dirty="0" err="1"/>
+              <a:t>GradCAM</a:t>
+            </a:r>
+            <a:r>
+              <a:rPr lang="es-ES" sz="4000" dirty="0"/>
+              <a:t> – </a:t>
+            </a:r>
+            <a:r>
+              <a:rPr lang="es-ES" sz="4000" dirty="0" err="1"/>
+              <a:t>Gradient</a:t>
+            </a:r>
+            <a:r>
+              <a:rPr lang="es-ES" sz="4000" dirty="0"/>
+              <a:t> </a:t>
+            </a:r>
+            <a:r>
+              <a:rPr lang="es-ES" sz="4000" dirty="0" err="1"/>
+              <a:t>Visualization</a:t>
+            </a:r>
+            <a:endParaRPr lang="es-ES" sz="4000" dirty="0"/>
+          </a:p>
+        </p:txBody>
+      </p:sp>
       <p:pic>
         <p:nvPicPr>
           <p:cNvPr id="8" name="Imagen 7">
@@ -10529,7 +11229,7 @@
           <p:nvPr/>
         </p:nvPicPr>
         <p:blipFill>
-          <a:blip r:embed="rId3"/>
+          <a:blip r:embed="rId2"/>
           <a:stretch>
             <a:fillRect/>
           </a:stretch>
@@ -10557,272 +11257,6 @@
 </p:sld>
 </file>
 
-<file path=ppt/slides/slide34.xml><?xml version="1.0" encoding="utf-8"?>
-<p:sld xmlns:a="http://schemas.openxmlformats.org/drawingml/2006/main" xmlns:r="http://schemas.openxmlformats.org/officeDocument/2006/relationships" xmlns:p="http://schemas.openxmlformats.org/presentationml/2006/main">
-  <p:cSld>
-    <p:spTree>
-      <p:nvGrpSpPr>
-        <p:cNvPr id="1" name=""/>
-        <p:cNvGrpSpPr/>
-        <p:nvPr/>
-      </p:nvGrpSpPr>
-      <p:grpSpPr>
-        <a:xfrm>
-          <a:off x="0" y="0"/>
-          <a:ext cx="0" cy="0"/>
-          <a:chOff x="0" y="0"/>
-          <a:chExt cx="0" cy="0"/>
-        </a:xfrm>
-      </p:grpSpPr>
-      <p:sp>
-        <p:nvSpPr>
-          <p:cNvPr id="4" name="Título 3">
-            <a:extLst>
-              <a:ext uri="{FF2B5EF4-FFF2-40B4-BE49-F238E27FC236}">
-                <a16:creationId xmlns:a16="http://schemas.microsoft.com/office/drawing/2014/main" id="{35EEAE47-0DFC-59BA-F14F-E02307AA55B4}"/>
-              </a:ext>
-            </a:extLst>
-          </p:cNvPr>
-          <p:cNvSpPr>
-            <a:spLocks noGrp="1"/>
-          </p:cNvSpPr>
-          <p:nvPr>
-            <p:ph type="title"/>
-          </p:nvPr>
-        </p:nvSpPr>
-        <p:spPr/>
-        <p:txBody>
-          <a:bodyPr>
-            <a:normAutofit/>
-          </a:bodyPr>
-          <a:lstStyle/>
-          <a:p>
-            <a:r>
-              <a:rPr lang="es-ES" sz="4000" dirty="0"/>
-              <a:t>t-SNE – </a:t>
-            </a:r>
-            <a:r>
-              <a:rPr lang="es-ES" sz="4000" dirty="0" err="1"/>
-              <a:t>Feature</a:t>
-            </a:r>
-            <a:r>
-              <a:rPr lang="es-ES" sz="4000" dirty="0"/>
-              <a:t> </a:t>
-            </a:r>
-            <a:r>
-              <a:rPr lang="es-ES" sz="4000" dirty="0" err="1"/>
-              <a:t>Visualization</a:t>
-            </a:r>
-            <a:endParaRPr lang="es-ES" sz="4000" dirty="0"/>
-          </a:p>
-        </p:txBody>
-      </p:sp>
-      <p:pic>
-        <p:nvPicPr>
-          <p:cNvPr id="10" name="Imagen 9">
-            <a:extLst>
-              <a:ext uri="{FF2B5EF4-FFF2-40B4-BE49-F238E27FC236}">
-                <a16:creationId xmlns:a16="http://schemas.microsoft.com/office/drawing/2014/main" id="{3C2C71FD-7095-238F-AAA6-15EC5FA19F61}"/>
-              </a:ext>
-            </a:extLst>
-          </p:cNvPr>
-          <p:cNvPicPr>
-            <a:picLocks noChangeAspect="1"/>
-          </p:cNvPicPr>
-          <p:nvPr/>
-        </p:nvPicPr>
-        <p:blipFill>
-          <a:blip r:embed="rId2"/>
-          <a:stretch>
-            <a:fillRect/>
-          </a:stretch>
-        </p:blipFill>
-        <p:spPr>
-          <a:xfrm>
-            <a:off x="838200" y="1690688"/>
-            <a:ext cx="4609850" cy="3758928"/>
-          </a:xfrm>
-          <a:prstGeom prst="rect">
-            <a:avLst/>
-          </a:prstGeom>
-        </p:spPr>
-      </p:pic>
-      <p:pic>
-        <p:nvPicPr>
-          <p:cNvPr id="12" name="Imagen 11">
-            <a:extLst>
-              <a:ext uri="{FF2B5EF4-FFF2-40B4-BE49-F238E27FC236}">
-                <a16:creationId xmlns:a16="http://schemas.microsoft.com/office/drawing/2014/main" id="{99625B19-4411-EB43-817B-4340015B19CD}"/>
-              </a:ext>
-            </a:extLst>
-          </p:cNvPr>
-          <p:cNvPicPr>
-            <a:picLocks noChangeAspect="1"/>
-          </p:cNvPicPr>
-          <p:nvPr/>
-        </p:nvPicPr>
-        <p:blipFill>
-          <a:blip r:embed="rId3"/>
-          <a:stretch>
-            <a:fillRect/>
-          </a:stretch>
-        </p:blipFill>
-        <p:spPr>
-          <a:xfrm>
-            <a:off x="6096000" y="1690688"/>
-            <a:ext cx="4609850" cy="3758928"/>
-          </a:xfrm>
-          <a:prstGeom prst="rect">
-            <a:avLst/>
-          </a:prstGeom>
-        </p:spPr>
-      </p:pic>
-    </p:spTree>
-    <p:extLst>
-      <p:ext uri="{BB962C8B-B14F-4D97-AF65-F5344CB8AC3E}">
-        <p14:creationId xmlns:p14="http://schemas.microsoft.com/office/powerpoint/2010/main" val="2565733034"/>
-      </p:ext>
-    </p:extLst>
-  </p:cSld>
-  <p:clrMapOvr>
-    <a:masterClrMapping/>
-  </p:clrMapOvr>
-</p:sld>
-</file>
-
-<file path=ppt/slides/slide35.xml><?xml version="1.0" encoding="utf-8"?>
-<p:sld xmlns:a="http://schemas.openxmlformats.org/drawingml/2006/main" xmlns:r="http://schemas.openxmlformats.org/officeDocument/2006/relationships" xmlns:p="http://schemas.openxmlformats.org/presentationml/2006/main">
-  <p:cSld>
-    <p:spTree>
-      <p:nvGrpSpPr>
-        <p:cNvPr id="1" name=""/>
-        <p:cNvGrpSpPr/>
-        <p:nvPr/>
-      </p:nvGrpSpPr>
-      <p:grpSpPr>
-        <a:xfrm>
-          <a:off x="0" y="0"/>
-          <a:ext cx="0" cy="0"/>
-          <a:chOff x="0" y="0"/>
-          <a:chExt cx="0" cy="0"/>
-        </a:xfrm>
-      </p:grpSpPr>
-      <p:sp>
-        <p:nvSpPr>
-          <p:cNvPr id="4" name="Título 3">
-            <a:extLst>
-              <a:ext uri="{FF2B5EF4-FFF2-40B4-BE49-F238E27FC236}">
-                <a16:creationId xmlns:a16="http://schemas.microsoft.com/office/drawing/2014/main" id="{35EEAE47-0DFC-59BA-F14F-E02307AA55B4}"/>
-              </a:ext>
-            </a:extLst>
-          </p:cNvPr>
-          <p:cNvSpPr>
-            <a:spLocks noGrp="1"/>
-          </p:cNvSpPr>
-          <p:nvPr>
-            <p:ph type="title"/>
-          </p:nvPr>
-        </p:nvSpPr>
-        <p:spPr/>
-        <p:txBody>
-          <a:bodyPr>
-            <a:normAutofit/>
-          </a:bodyPr>
-          <a:lstStyle/>
-          <a:p>
-            <a:r>
-              <a:rPr lang="es-ES" sz="4000" dirty="0"/>
-              <a:t>t-SNE – </a:t>
-            </a:r>
-            <a:r>
-              <a:rPr lang="es-ES" sz="4000" dirty="0" err="1"/>
-              <a:t>Feature</a:t>
-            </a:r>
-            <a:r>
-              <a:rPr lang="es-ES" sz="4000" dirty="0"/>
-              <a:t> </a:t>
-            </a:r>
-            <a:r>
-              <a:rPr lang="es-ES" sz="4000" dirty="0" err="1"/>
-              <a:t>Visualization</a:t>
-            </a:r>
-            <a:endParaRPr lang="es-ES" sz="4000" dirty="0"/>
-          </a:p>
-        </p:txBody>
-      </p:sp>
-      <p:pic>
-        <p:nvPicPr>
-          <p:cNvPr id="3" name="Imagen 2">
-            <a:extLst>
-              <a:ext uri="{FF2B5EF4-FFF2-40B4-BE49-F238E27FC236}">
-                <a16:creationId xmlns:a16="http://schemas.microsoft.com/office/drawing/2014/main" id="{3DED3C18-6770-2CAA-68AA-C7CB4373F69D}"/>
-              </a:ext>
-            </a:extLst>
-          </p:cNvPr>
-          <p:cNvPicPr>
-            <a:picLocks noChangeAspect="1"/>
-          </p:cNvPicPr>
-          <p:nvPr/>
-        </p:nvPicPr>
-        <p:blipFill>
-          <a:blip r:embed="rId2"/>
-          <a:stretch>
-            <a:fillRect/>
-          </a:stretch>
-        </p:blipFill>
-        <p:spPr>
-          <a:xfrm>
-            <a:off x="838200" y="1690688"/>
-            <a:ext cx="4618112" cy="3758928"/>
-          </a:xfrm>
-          <a:prstGeom prst="rect">
-            <a:avLst/>
-          </a:prstGeom>
-        </p:spPr>
-      </p:pic>
-      <p:pic>
-        <p:nvPicPr>
-          <p:cNvPr id="6" name="Imagen 5">
-            <a:extLst>
-              <a:ext uri="{FF2B5EF4-FFF2-40B4-BE49-F238E27FC236}">
-                <a16:creationId xmlns:a16="http://schemas.microsoft.com/office/drawing/2014/main" id="{01482673-BBC0-22F7-7924-DDE719054797}"/>
-              </a:ext>
-            </a:extLst>
-          </p:cNvPr>
-          <p:cNvPicPr>
-            <a:picLocks noChangeAspect="1"/>
-          </p:cNvPicPr>
-          <p:nvPr/>
-        </p:nvPicPr>
-        <p:blipFill>
-          <a:blip r:embed="rId3"/>
-          <a:stretch>
-            <a:fillRect/>
-          </a:stretch>
-        </p:blipFill>
-        <p:spPr>
-          <a:xfrm>
-            <a:off x="6062954" y="1690688"/>
-            <a:ext cx="4684203" cy="3758928"/>
-          </a:xfrm>
-          <a:prstGeom prst="rect">
-            <a:avLst/>
-          </a:prstGeom>
-        </p:spPr>
-      </p:pic>
-    </p:spTree>
-    <p:extLst>
-      <p:ext uri="{BB962C8B-B14F-4D97-AF65-F5344CB8AC3E}">
-        <p14:creationId xmlns:p14="http://schemas.microsoft.com/office/powerpoint/2010/main" val="1546869390"/>
-      </p:ext>
-    </p:extLst>
-  </p:cSld>
-  <p:clrMapOvr>
-    <a:masterClrMapping/>
-  </p:clrMapOvr>
-</p:sld>
-</file>
-
 <file path=ppt/slides/slide36.xml><?xml version="1.0" encoding="utf-8"?>
 <p:sld xmlns:a="http://schemas.openxmlformats.org/drawingml/2006/main" xmlns:r="http://schemas.openxmlformats.org/officeDocument/2006/relationships" xmlns:p="http://schemas.openxmlformats.org/presentationml/2006/main">
   <p:cSld>
@@ -10842,10 +11276,10 @@
       </p:grpSpPr>
       <p:sp>
         <p:nvSpPr>
-          <p:cNvPr id="2" name="Título 1">
-            <a:extLst>
-              <a:ext uri="{FF2B5EF4-FFF2-40B4-BE49-F238E27FC236}">
-                <a16:creationId xmlns:a16="http://schemas.microsoft.com/office/drawing/2014/main" id="{A2893ABC-7383-4C79-A1A0-C2364A586616}"/>
+          <p:cNvPr id="4" name="Título 3">
+            <a:extLst>
+              <a:ext uri="{FF2B5EF4-FFF2-40B4-BE49-F238E27FC236}">
+                <a16:creationId xmlns:a16="http://schemas.microsoft.com/office/drawing/2014/main" id="{35EEAE47-0DFC-59BA-F14F-E02307AA55B4}"/>
               </a:ext>
             </a:extLst>
           </p:cNvPr>
@@ -10864,42 +11298,121 @@
           <a:lstStyle/>
           <a:p>
             <a:r>
-              <a:rPr lang="es-MX" sz="4800" dirty="0" err="1"/>
-              <a:t>Conclusion</a:t>
-            </a:r>
-            <a:endParaRPr lang="es-ES" sz="4800" dirty="0"/>
-          </a:p>
-        </p:txBody>
-      </p:sp>
-      <p:sp>
-        <p:nvSpPr>
-          <p:cNvPr id="3" name="Marcador de texto 2">
-            <a:extLst>
-              <a:ext uri="{FF2B5EF4-FFF2-40B4-BE49-F238E27FC236}">
-                <a16:creationId xmlns:a16="http://schemas.microsoft.com/office/drawing/2014/main" id="{30F89A4F-0461-4CBC-8885-DD3809B8694C}"/>
-              </a:ext>
-            </a:extLst>
-          </p:cNvPr>
-          <p:cNvSpPr>
-            <a:spLocks noGrp="1"/>
-          </p:cNvSpPr>
-          <p:nvPr>
-            <p:ph type="body" idx="1"/>
-          </p:nvPr>
-        </p:nvSpPr>
-        <p:spPr/>
-        <p:txBody>
-          <a:bodyPr/>
+              <a:rPr lang="es-ES" sz="4000" dirty="0"/>
+              <a:t>t-SNE – </a:t>
+            </a:r>
+            <a:r>
+              <a:rPr lang="es-ES" sz="4000" dirty="0" err="1"/>
+              <a:t>Feature</a:t>
+            </a:r>
+            <a:r>
+              <a:rPr lang="es-ES" sz="4000" dirty="0"/>
+              <a:t> </a:t>
+            </a:r>
+            <a:r>
+              <a:rPr lang="es-ES" sz="4000" dirty="0" err="1"/>
+              <a:t>Visualization</a:t>
+            </a:r>
+            <a:endParaRPr lang="es-ES" sz="4000" dirty="0"/>
+          </a:p>
+        </p:txBody>
+      </p:sp>
+      <p:pic>
+        <p:nvPicPr>
+          <p:cNvPr id="10" name="Imagen 9">
+            <a:extLst>
+              <a:ext uri="{FF2B5EF4-FFF2-40B4-BE49-F238E27FC236}">
+                <a16:creationId xmlns:a16="http://schemas.microsoft.com/office/drawing/2014/main" id="{3C2C71FD-7095-238F-AAA6-15EC5FA19F61}"/>
+              </a:ext>
+            </a:extLst>
+          </p:cNvPr>
+          <p:cNvPicPr>
+            <a:picLocks noChangeAspect="1"/>
+          </p:cNvPicPr>
+          <p:nvPr/>
+        </p:nvPicPr>
+        <p:blipFill>
+          <a:blip r:embed="rId2"/>
+          <a:stretch>
+            <a:fillRect/>
+          </a:stretch>
+        </p:blipFill>
+        <p:spPr>
+          <a:xfrm>
+            <a:off x="5990301" y="1690688"/>
+            <a:ext cx="4609850" cy="3758928"/>
+          </a:xfrm>
+          <a:prstGeom prst="rect">
+            <a:avLst/>
+          </a:prstGeom>
+        </p:spPr>
+      </p:pic>
+      <p:sp>
+        <p:nvSpPr>
+          <p:cNvPr id="2" name="CuadroTexto 1">
+            <a:extLst>
+              <a:ext uri="{FF2B5EF4-FFF2-40B4-BE49-F238E27FC236}">
+                <a16:creationId xmlns:a16="http://schemas.microsoft.com/office/drawing/2014/main" id="{B1F92109-E403-E179-35F7-B15313459B1A}"/>
+              </a:ext>
+            </a:extLst>
+          </p:cNvPr>
+          <p:cNvSpPr txBox="1"/>
+          <p:nvPr/>
+        </p:nvSpPr>
+        <p:spPr>
+          <a:xfrm>
+            <a:off x="943897" y="1612490"/>
+            <a:ext cx="4424516" cy="523220"/>
+          </a:xfrm>
+          <a:prstGeom prst="rect">
+            <a:avLst/>
+          </a:prstGeom>
+          <a:noFill/>
+        </p:spPr>
+        <p:txBody>
+          <a:bodyPr wrap="square" rtlCol="0">
+            <a:spAutoFit/>
+          </a:bodyPr>
           <a:lstStyle/>
           <a:p>
-            <a:endParaRPr lang="es-ES" dirty="0"/>
+            <a:pPr marL="285750" indent="-285750">
+              <a:buFont typeface="Arial" panose="020B0604020202020204" pitchFamily="34" charset="0"/>
+              <a:buChar char="•"/>
+            </a:pPr>
+            <a:r>
+              <a:rPr lang="es-ES" sz="2800" dirty="0">
+                <a:latin typeface="Arial" panose="020B0604020202020204" pitchFamily="34" charset="0"/>
+              </a:rPr>
+              <a:t>Bla </a:t>
+            </a:r>
+            <a:r>
+              <a:rPr lang="es-ES" sz="2800" dirty="0" err="1">
+                <a:latin typeface="Arial" panose="020B0604020202020204" pitchFamily="34" charset="0"/>
+              </a:rPr>
+              <a:t>bla</a:t>
+            </a:r>
+            <a:r>
+              <a:rPr lang="es-ES" sz="2800" dirty="0">
+                <a:latin typeface="Arial" panose="020B0604020202020204" pitchFamily="34" charset="0"/>
+              </a:rPr>
+              <a:t> </a:t>
+            </a:r>
+            <a:r>
+              <a:rPr lang="es-ES" sz="2800" dirty="0" err="1">
+                <a:latin typeface="Arial" panose="020B0604020202020204" pitchFamily="34" charset="0"/>
+              </a:rPr>
+              <a:t>bla</a:t>
+            </a:r>
+            <a:endParaRPr lang="es-ES" sz="2800" dirty="0">
+              <a:latin typeface="Arial" panose="020B0604020202020204" pitchFamily="34" charset="0"/>
+            </a:endParaRPr>
           </a:p>
         </p:txBody>
       </p:sp>
     </p:spTree>
     <p:extLst>
       <p:ext uri="{BB962C8B-B14F-4D97-AF65-F5344CB8AC3E}">
-        <p14:creationId xmlns:p14="http://schemas.microsoft.com/office/powerpoint/2010/main" val="57183246"/>
+        <p14:creationId xmlns:p14="http://schemas.microsoft.com/office/powerpoint/2010/main" val="2565733034"/>
       </p:ext>
     </p:extLst>
   </p:cSld>
@@ -10944,141 +11457,65 @@
         </p:nvSpPr>
         <p:spPr/>
         <p:txBody>
-          <a:bodyPr/>
-          <a:lstStyle/>
-          <a:p>
-            <a:r>
-              <a:rPr lang="es-ES" dirty="0"/>
-              <a:t>Key ideas </a:t>
-            </a:r>
-            <a:r>
-              <a:rPr lang="es-ES" dirty="0" err="1"/>
-              <a:t>from</a:t>
-            </a:r>
-            <a:r>
-              <a:rPr lang="es-ES" dirty="0"/>
-              <a:t> Project Work</a:t>
-            </a:r>
-          </a:p>
-        </p:txBody>
-      </p:sp>
-      <p:sp>
-        <p:nvSpPr>
-          <p:cNvPr id="2" name="Marcador de contenido 4">
-            <a:extLst>
-              <a:ext uri="{FF2B5EF4-FFF2-40B4-BE49-F238E27FC236}">
-                <a16:creationId xmlns:a16="http://schemas.microsoft.com/office/drawing/2014/main" id="{8B91D2F4-6A7E-252E-0169-3828670FB4E0}"/>
-              </a:ext>
-            </a:extLst>
-          </p:cNvPr>
-          <p:cNvSpPr>
-            <a:spLocks noGrp="1"/>
-          </p:cNvSpPr>
-          <p:nvPr>
-            <p:ph idx="1"/>
-          </p:nvPr>
-        </p:nvSpPr>
-        <p:spPr>
-          <a:xfrm>
-            <a:off x="838200" y="1825625"/>
-            <a:ext cx="10515600" cy="4351338"/>
-          </a:xfrm>
-        </p:spPr>
-        <p:txBody>
           <a:bodyPr>
             <a:normAutofit/>
           </a:bodyPr>
           <a:lstStyle/>
           <a:p>
-            <a:pPr algn="just"/>
-            <a:r>
-              <a:rPr lang="en-US" dirty="0">
-                <a:latin typeface="Arial" panose="020B0604020202020204" pitchFamily="34" charset="0"/>
-              </a:rPr>
-              <a:t>It does seem a reachable task to train a CNN for identification of pneumonia on x-ray chest images. </a:t>
-            </a:r>
-          </a:p>
-          <a:p>
-            <a:pPr algn="just"/>
-            <a:endParaRPr lang="en-US" dirty="0">
-              <a:latin typeface="Arial" panose="020B0604020202020204" pitchFamily="34" charset="0"/>
-            </a:endParaRPr>
-          </a:p>
-          <a:p>
-            <a:pPr algn="just"/>
-            <a:r>
-              <a:rPr lang="en-US" dirty="0">
-                <a:latin typeface="Arial" panose="020B0604020202020204" pitchFamily="34" charset="0"/>
-              </a:rPr>
-              <a:t>Training and Validation Accuracy/</a:t>
-            </a:r>
-            <a:r>
-              <a:rPr lang="en-US" dirty="0" err="1">
-                <a:latin typeface="Arial" panose="020B0604020202020204" pitchFamily="34" charset="0"/>
-              </a:rPr>
-              <a:t>Fscore</a:t>
-            </a:r>
-            <a:r>
-              <a:rPr lang="en-US" dirty="0">
-                <a:latin typeface="Arial" panose="020B0604020202020204" pitchFamily="34" charset="0"/>
-              </a:rPr>
-              <a:t> higher than 95% on all models except </a:t>
-            </a:r>
-            <a:r>
-              <a:rPr lang="en-US" dirty="0" err="1">
-                <a:latin typeface="Arial" panose="020B0604020202020204" pitchFamily="34" charset="0"/>
-              </a:rPr>
-              <a:t>TabukNet</a:t>
-            </a:r>
-            <a:r>
-              <a:rPr lang="en-US" dirty="0">
-                <a:latin typeface="Arial" panose="020B0604020202020204" pitchFamily="34" charset="0"/>
-              </a:rPr>
-              <a:t>.</a:t>
-            </a:r>
-          </a:p>
-          <a:p>
-            <a:pPr algn="just"/>
-            <a:r>
-              <a:rPr lang="en-US" dirty="0">
-                <a:latin typeface="Arial" panose="020B0604020202020204" pitchFamily="34" charset="0"/>
-              </a:rPr>
-              <a:t>Testing Metrics do not seem as promising with a generalization Accuracy/</a:t>
-            </a:r>
-            <a:r>
-              <a:rPr lang="en-US" dirty="0" err="1">
-                <a:latin typeface="Arial" panose="020B0604020202020204" pitchFamily="34" charset="0"/>
-              </a:rPr>
-              <a:t>Fscore</a:t>
-            </a:r>
-            <a:r>
-              <a:rPr lang="en-US" dirty="0">
-                <a:latin typeface="Arial" panose="020B0604020202020204" pitchFamily="34" charset="0"/>
-              </a:rPr>
-              <a:t> of ~60%.</a:t>
-            </a:r>
-          </a:p>
-          <a:p>
-            <a:pPr algn="just"/>
-            <a:endParaRPr lang="en-US" dirty="0">
-              <a:latin typeface="Arial" panose="020B0604020202020204" pitchFamily="34" charset="0"/>
-            </a:endParaRPr>
-          </a:p>
-          <a:p>
-            <a:pPr algn="just"/>
-            <a:r>
-              <a:rPr lang="en-US" dirty="0">
-                <a:latin typeface="Arial" panose="020B0604020202020204" pitchFamily="34" charset="0"/>
-              </a:rPr>
-              <a:t>Better models might be achieved by increasing the dataset.</a:t>
-            </a:r>
-          </a:p>
-        </p:txBody>
-      </p:sp>
+            <a:r>
+              <a:rPr lang="es-ES" sz="4000" dirty="0"/>
+              <a:t>t-SNE – </a:t>
+            </a:r>
+            <a:r>
+              <a:rPr lang="es-ES" sz="4000" dirty="0" err="1"/>
+              <a:t>Feature</a:t>
+            </a:r>
+            <a:r>
+              <a:rPr lang="es-ES" sz="4000" dirty="0"/>
+              <a:t> </a:t>
+            </a:r>
+            <a:r>
+              <a:rPr lang="es-ES" sz="4000" dirty="0" err="1"/>
+              <a:t>Visualization</a:t>
+            </a:r>
+            <a:endParaRPr lang="es-ES" sz="4000" dirty="0"/>
+          </a:p>
+        </p:txBody>
+      </p:sp>
+      <p:pic>
+        <p:nvPicPr>
+          <p:cNvPr id="3" name="Imagen 2">
+            <a:extLst>
+              <a:ext uri="{FF2B5EF4-FFF2-40B4-BE49-F238E27FC236}">
+                <a16:creationId xmlns:a16="http://schemas.microsoft.com/office/drawing/2014/main" id="{3DED3C18-6770-2CAA-68AA-C7CB4373F69D}"/>
+              </a:ext>
+            </a:extLst>
+          </p:cNvPr>
+          <p:cNvPicPr>
+            <a:picLocks noChangeAspect="1"/>
+          </p:cNvPicPr>
+          <p:nvPr/>
+        </p:nvPicPr>
+        <p:blipFill>
+          <a:blip r:embed="rId2"/>
+          <a:stretch>
+            <a:fillRect/>
+          </a:stretch>
+        </p:blipFill>
+        <p:spPr>
+          <a:xfrm>
+            <a:off x="838200" y="1690688"/>
+            <a:ext cx="4618112" cy="3758928"/>
+          </a:xfrm>
+          <a:prstGeom prst="rect">
+            <a:avLst/>
+          </a:prstGeom>
+        </p:spPr>
+      </p:pic>
     </p:spTree>
     <p:extLst>
       <p:ext uri="{BB962C8B-B14F-4D97-AF65-F5344CB8AC3E}">
-        <p14:creationId xmlns:p14="http://schemas.microsoft.com/office/powerpoint/2010/main" val="2226277159"/>
+        <p14:creationId xmlns:p14="http://schemas.microsoft.com/office/powerpoint/2010/main" val="1546869390"/>
       </p:ext>
     </p:extLst>
   </p:cSld>
@@ -11110,7 +11547,7 @@
           <p:cNvPr id="2" name="Título 1">
             <a:extLst>
               <a:ext uri="{FF2B5EF4-FFF2-40B4-BE49-F238E27FC236}">
-                <a16:creationId xmlns:a16="http://schemas.microsoft.com/office/drawing/2014/main" id="{3C651D89-CA52-4E01-A60F-3BBD70E71EA7}"/>
+                <a16:creationId xmlns:a16="http://schemas.microsoft.com/office/drawing/2014/main" id="{A2893ABC-7383-4C79-A1A0-C2364A586616}"/>
               </a:ext>
             </a:extLst>
           </p:cNvPr>
@@ -11118,29 +11555,30 @@
             <a:spLocks noGrp="1"/>
           </p:cNvSpPr>
           <p:nvPr>
-            <p:ph type="ctrTitle"/>
+            <p:ph type="title"/>
           </p:nvPr>
         </p:nvSpPr>
         <p:spPr/>
         <p:txBody>
-          <a:bodyPr/>
+          <a:bodyPr>
+            <a:normAutofit/>
+          </a:bodyPr>
           <a:lstStyle/>
           <a:p>
             <a:r>
-              <a:rPr lang="en-US">
-                <a:latin typeface="Helvetica Neue"/>
-              </a:rPr>
-              <a:t>Thank you</a:t>
-            </a:r>
-          </a:p>
-        </p:txBody>
-      </p:sp>
-      <p:sp>
-        <p:nvSpPr>
-          <p:cNvPr id="4" name="Subtitle 3">
-            <a:extLst>
-              <a:ext uri="{FF2B5EF4-FFF2-40B4-BE49-F238E27FC236}">
-                <a16:creationId xmlns:a16="http://schemas.microsoft.com/office/drawing/2014/main" id="{0C2401B8-2F41-C247-B2C0-AD677568B930}"/>
+              <a:rPr lang="es-MX" sz="4800" dirty="0" err="1"/>
+              <a:t>Conclusion</a:t>
+            </a:r>
+            <a:endParaRPr lang="es-ES" sz="4800" dirty="0"/>
+          </a:p>
+        </p:txBody>
+      </p:sp>
+      <p:sp>
+        <p:nvSpPr>
+          <p:cNvPr id="3" name="Marcador de texto 2">
+            <a:extLst>
+              <a:ext uri="{FF2B5EF4-FFF2-40B4-BE49-F238E27FC236}">
+                <a16:creationId xmlns:a16="http://schemas.microsoft.com/office/drawing/2014/main" id="{30F89A4F-0461-4CBC-8885-DD3809B8694C}"/>
               </a:ext>
             </a:extLst>
           </p:cNvPr>
@@ -11148,7 +11586,7 @@
             <a:spLocks noGrp="1"/>
           </p:cNvSpPr>
           <p:nvPr>
-            <p:ph type="subTitle" idx="1"/>
+            <p:ph type="body" idx="1"/>
           </p:nvPr>
         </p:nvSpPr>
         <p:spPr/>
@@ -11156,17 +11594,193 @@
           <a:bodyPr/>
           <a:lstStyle/>
           <a:p>
-            <a:r>
-              <a:rPr lang="en-US"/>
-              <a:t>Questions?</a:t>
-            </a:r>
+            <a:endParaRPr lang="es-ES" dirty="0"/>
           </a:p>
         </p:txBody>
       </p:sp>
     </p:spTree>
     <p:extLst>
       <p:ext uri="{BB962C8B-B14F-4D97-AF65-F5344CB8AC3E}">
-        <p14:creationId xmlns:p14="http://schemas.microsoft.com/office/powerpoint/2010/main" val="3272588446"/>
+        <p14:creationId xmlns:p14="http://schemas.microsoft.com/office/powerpoint/2010/main" val="57183246"/>
+      </p:ext>
+    </p:extLst>
+  </p:cSld>
+  <p:clrMapOvr>
+    <a:masterClrMapping/>
+  </p:clrMapOvr>
+</p:sld>
+</file>
+
+<file path=ppt/slides/slide39.xml><?xml version="1.0" encoding="utf-8"?>
+<p:sld xmlns:a="http://schemas.openxmlformats.org/drawingml/2006/main" xmlns:r="http://schemas.openxmlformats.org/officeDocument/2006/relationships" xmlns:p="http://schemas.openxmlformats.org/presentationml/2006/main">
+  <p:cSld>
+    <p:spTree>
+      <p:nvGrpSpPr>
+        <p:cNvPr id="1" name=""/>
+        <p:cNvGrpSpPr/>
+        <p:nvPr/>
+      </p:nvGrpSpPr>
+      <p:grpSpPr>
+        <a:xfrm>
+          <a:off x="0" y="0"/>
+          <a:ext cx="0" cy="0"/>
+          <a:chOff x="0" y="0"/>
+          <a:chExt cx="0" cy="0"/>
+        </a:xfrm>
+      </p:grpSpPr>
+      <p:sp>
+        <p:nvSpPr>
+          <p:cNvPr id="4" name="Título 3">
+            <a:extLst>
+              <a:ext uri="{FF2B5EF4-FFF2-40B4-BE49-F238E27FC236}">
+                <a16:creationId xmlns:a16="http://schemas.microsoft.com/office/drawing/2014/main" id="{35EEAE47-0DFC-59BA-F14F-E02307AA55B4}"/>
+              </a:ext>
+            </a:extLst>
+          </p:cNvPr>
+          <p:cNvSpPr>
+            <a:spLocks noGrp="1"/>
+          </p:cNvSpPr>
+          <p:nvPr>
+            <p:ph type="title"/>
+          </p:nvPr>
+        </p:nvSpPr>
+        <p:spPr/>
+        <p:txBody>
+          <a:bodyPr/>
+          <a:lstStyle/>
+          <a:p>
+            <a:r>
+              <a:rPr lang="es-ES" dirty="0"/>
+              <a:t>Key ideas </a:t>
+            </a:r>
+            <a:r>
+              <a:rPr lang="es-ES" dirty="0" err="1"/>
+              <a:t>from</a:t>
+            </a:r>
+            <a:r>
+              <a:rPr lang="es-ES" dirty="0"/>
+              <a:t> Project Work</a:t>
+            </a:r>
+          </a:p>
+        </p:txBody>
+      </p:sp>
+      <p:sp>
+        <p:nvSpPr>
+          <p:cNvPr id="2" name="Marcador de contenido 4">
+            <a:extLst>
+              <a:ext uri="{FF2B5EF4-FFF2-40B4-BE49-F238E27FC236}">
+                <a16:creationId xmlns:a16="http://schemas.microsoft.com/office/drawing/2014/main" id="{8B91D2F4-6A7E-252E-0169-3828670FB4E0}"/>
+              </a:ext>
+            </a:extLst>
+          </p:cNvPr>
+          <p:cNvSpPr>
+            <a:spLocks noGrp="1"/>
+          </p:cNvSpPr>
+          <p:nvPr>
+            <p:ph idx="1"/>
+          </p:nvPr>
+        </p:nvSpPr>
+        <p:spPr>
+          <a:xfrm>
+            <a:off x="838200" y="1825625"/>
+            <a:ext cx="10515600" cy="4351338"/>
+          </a:xfrm>
+        </p:spPr>
+        <p:txBody>
+          <a:bodyPr>
+            <a:normAutofit/>
+          </a:bodyPr>
+          <a:lstStyle/>
+          <a:p>
+            <a:pPr algn="just"/>
+            <a:r>
+              <a:rPr lang="en-US" dirty="0">
+                <a:latin typeface="Arial" panose="020B0604020202020204" pitchFamily="34" charset="0"/>
+              </a:rPr>
+              <a:t>It does seem a reachable task to train a CNN for identification of pneumonia on x-ray chest images. </a:t>
+            </a:r>
+          </a:p>
+          <a:p>
+            <a:pPr algn="just"/>
+            <a:endParaRPr lang="en-US" dirty="0">
+              <a:latin typeface="Arial" panose="020B0604020202020204" pitchFamily="34" charset="0"/>
+            </a:endParaRPr>
+          </a:p>
+          <a:p>
+            <a:pPr algn="just"/>
+            <a:r>
+              <a:rPr lang="en-US" dirty="0">
+                <a:latin typeface="Arial" panose="020B0604020202020204" pitchFamily="34" charset="0"/>
+              </a:rPr>
+              <a:t>Training and Validation Accuracy/</a:t>
+            </a:r>
+            <a:r>
+              <a:rPr lang="en-US" dirty="0" err="1">
+                <a:latin typeface="Arial" panose="020B0604020202020204" pitchFamily="34" charset="0"/>
+              </a:rPr>
+              <a:t>Fscore</a:t>
+            </a:r>
+            <a:r>
+              <a:rPr lang="en-US" dirty="0">
+                <a:latin typeface="Arial" panose="020B0604020202020204" pitchFamily="34" charset="0"/>
+              </a:rPr>
+              <a:t> higher than 95% on all models except </a:t>
+            </a:r>
+            <a:r>
+              <a:rPr lang="en-US" dirty="0" err="1">
+                <a:latin typeface="Arial" panose="020B0604020202020204" pitchFamily="34" charset="0"/>
+              </a:rPr>
+              <a:t>TabukNet</a:t>
+            </a:r>
+            <a:r>
+              <a:rPr lang="en-US" dirty="0">
+                <a:latin typeface="Arial" panose="020B0604020202020204" pitchFamily="34" charset="0"/>
+              </a:rPr>
+              <a:t>.</a:t>
+            </a:r>
+          </a:p>
+          <a:p>
+            <a:pPr algn="just"/>
+            <a:r>
+              <a:rPr lang="en-US" dirty="0">
+                <a:latin typeface="Arial" panose="020B0604020202020204" pitchFamily="34" charset="0"/>
+              </a:rPr>
+              <a:t>Testing Metrics do not seem as promising with a generalization Accuracy/</a:t>
+            </a:r>
+            <a:r>
+              <a:rPr lang="en-US" dirty="0" err="1">
+                <a:latin typeface="Arial" panose="020B0604020202020204" pitchFamily="34" charset="0"/>
+              </a:rPr>
+              <a:t>Fscore</a:t>
+            </a:r>
+            <a:r>
+              <a:rPr lang="en-US" dirty="0">
+                <a:latin typeface="Arial" panose="020B0604020202020204" pitchFamily="34" charset="0"/>
+              </a:rPr>
+              <a:t> of ~60%.</a:t>
+            </a:r>
+          </a:p>
+          <a:p>
+            <a:pPr algn="just"/>
+            <a:endParaRPr lang="en-US" dirty="0">
+              <a:latin typeface="Arial" panose="020B0604020202020204" pitchFamily="34" charset="0"/>
+            </a:endParaRPr>
+          </a:p>
+          <a:p>
+            <a:pPr algn="just"/>
+            <a:r>
+              <a:rPr lang="en-US" dirty="0">
+                <a:latin typeface="Arial" panose="020B0604020202020204" pitchFamily="34" charset="0"/>
+              </a:rPr>
+              <a:t>Better models might be achieved by increasing the dataset.</a:t>
+            </a:r>
+          </a:p>
+        </p:txBody>
+      </p:sp>
+    </p:spTree>
+    <p:extLst>
+      <p:ext uri="{BB962C8B-B14F-4D97-AF65-F5344CB8AC3E}">
+        <p14:creationId xmlns:p14="http://schemas.microsoft.com/office/powerpoint/2010/main" val="2226277159"/>
       </p:ext>
     </p:extLst>
   </p:cSld>
@@ -11413,6 +12027,198 @@
     <p:extLst>
       <p:ext uri="{BB962C8B-B14F-4D97-AF65-F5344CB8AC3E}">
         <p14:creationId xmlns:p14="http://schemas.microsoft.com/office/powerpoint/2010/main" val="4164150223"/>
+      </p:ext>
+    </p:extLst>
+  </p:cSld>
+  <p:clrMapOvr>
+    <a:masterClrMapping/>
+  </p:clrMapOvr>
+</p:sld>
+</file>
+
+<file path=ppt/slides/slide40.xml><?xml version="1.0" encoding="utf-8"?>
+<p:sld xmlns:a="http://schemas.openxmlformats.org/drawingml/2006/main" xmlns:r="http://schemas.openxmlformats.org/officeDocument/2006/relationships" xmlns:p="http://schemas.openxmlformats.org/presentationml/2006/main">
+  <p:cSld>
+    <p:spTree>
+      <p:nvGrpSpPr>
+        <p:cNvPr id="1" name=""/>
+        <p:cNvGrpSpPr/>
+        <p:nvPr/>
+      </p:nvGrpSpPr>
+      <p:grpSpPr>
+        <a:xfrm>
+          <a:off x="0" y="0"/>
+          <a:ext cx="0" cy="0"/>
+          <a:chOff x="0" y="0"/>
+          <a:chExt cx="0" cy="0"/>
+        </a:xfrm>
+      </p:grpSpPr>
+      <p:sp>
+        <p:nvSpPr>
+          <p:cNvPr id="4" name="Título 3">
+            <a:extLst>
+              <a:ext uri="{FF2B5EF4-FFF2-40B4-BE49-F238E27FC236}">
+                <a16:creationId xmlns:a16="http://schemas.microsoft.com/office/drawing/2014/main" id="{35EEAE47-0DFC-59BA-F14F-E02307AA55B4}"/>
+              </a:ext>
+            </a:extLst>
+          </p:cNvPr>
+          <p:cNvSpPr>
+            <a:spLocks noGrp="1"/>
+          </p:cNvSpPr>
+          <p:nvPr>
+            <p:ph type="title"/>
+          </p:nvPr>
+        </p:nvSpPr>
+        <p:spPr/>
+        <p:txBody>
+          <a:bodyPr/>
+          <a:lstStyle/>
+          <a:p>
+            <a:r>
+              <a:rPr lang="es-ES" dirty="0"/>
+              <a:t>Key ideas </a:t>
+            </a:r>
+            <a:r>
+              <a:rPr lang="es-ES" dirty="0" err="1"/>
+              <a:t>from</a:t>
+            </a:r>
+            <a:r>
+              <a:rPr lang="es-ES" dirty="0"/>
+              <a:t> Project Work</a:t>
+            </a:r>
+          </a:p>
+        </p:txBody>
+      </p:sp>
+      <p:sp>
+        <p:nvSpPr>
+          <p:cNvPr id="2" name="Marcador de contenido 4">
+            <a:extLst>
+              <a:ext uri="{FF2B5EF4-FFF2-40B4-BE49-F238E27FC236}">
+                <a16:creationId xmlns:a16="http://schemas.microsoft.com/office/drawing/2014/main" id="{8B91D2F4-6A7E-252E-0169-3828670FB4E0}"/>
+              </a:ext>
+            </a:extLst>
+          </p:cNvPr>
+          <p:cNvSpPr>
+            <a:spLocks noGrp="1"/>
+          </p:cNvSpPr>
+          <p:nvPr>
+            <p:ph idx="1"/>
+          </p:nvPr>
+        </p:nvSpPr>
+        <p:spPr>
+          <a:xfrm>
+            <a:off x="838200" y="1825625"/>
+            <a:ext cx="10515600" cy="4351338"/>
+          </a:xfrm>
+        </p:spPr>
+        <p:txBody>
+          <a:bodyPr>
+            <a:normAutofit/>
+          </a:bodyPr>
+          <a:lstStyle/>
+          <a:p>
+            <a:pPr algn="just"/>
+            <a:r>
+              <a:rPr lang="en-US" dirty="0">
+                <a:latin typeface="Arial" panose="020B0604020202020204" pitchFamily="34" charset="0"/>
+              </a:rPr>
+              <a:t>?</a:t>
+            </a:r>
+          </a:p>
+        </p:txBody>
+      </p:sp>
+    </p:spTree>
+    <p:extLst>
+      <p:ext uri="{BB962C8B-B14F-4D97-AF65-F5344CB8AC3E}">
+        <p14:creationId xmlns:p14="http://schemas.microsoft.com/office/powerpoint/2010/main" val="2938901497"/>
+      </p:ext>
+    </p:extLst>
+  </p:cSld>
+  <p:clrMapOvr>
+    <a:masterClrMapping/>
+  </p:clrMapOvr>
+</p:sld>
+</file>
+
+<file path=ppt/slides/slide41.xml><?xml version="1.0" encoding="utf-8"?>
+<p:sld xmlns:a="http://schemas.openxmlformats.org/drawingml/2006/main" xmlns:r="http://schemas.openxmlformats.org/officeDocument/2006/relationships" xmlns:p="http://schemas.openxmlformats.org/presentationml/2006/main">
+  <p:cSld>
+    <p:spTree>
+      <p:nvGrpSpPr>
+        <p:cNvPr id="1" name=""/>
+        <p:cNvGrpSpPr/>
+        <p:nvPr/>
+      </p:nvGrpSpPr>
+      <p:grpSpPr>
+        <a:xfrm>
+          <a:off x="0" y="0"/>
+          <a:ext cx="0" cy="0"/>
+          <a:chOff x="0" y="0"/>
+          <a:chExt cx="0" cy="0"/>
+        </a:xfrm>
+      </p:grpSpPr>
+      <p:sp>
+        <p:nvSpPr>
+          <p:cNvPr id="2" name="Título 1">
+            <a:extLst>
+              <a:ext uri="{FF2B5EF4-FFF2-40B4-BE49-F238E27FC236}">
+                <a16:creationId xmlns:a16="http://schemas.microsoft.com/office/drawing/2014/main" id="{3C651D89-CA52-4E01-A60F-3BBD70E71EA7}"/>
+              </a:ext>
+            </a:extLst>
+          </p:cNvPr>
+          <p:cNvSpPr>
+            <a:spLocks noGrp="1"/>
+          </p:cNvSpPr>
+          <p:nvPr>
+            <p:ph type="ctrTitle"/>
+          </p:nvPr>
+        </p:nvSpPr>
+        <p:spPr/>
+        <p:txBody>
+          <a:bodyPr/>
+          <a:lstStyle/>
+          <a:p>
+            <a:r>
+              <a:rPr lang="en-US">
+                <a:latin typeface="Helvetica Neue"/>
+              </a:rPr>
+              <a:t>Thank you</a:t>
+            </a:r>
+          </a:p>
+        </p:txBody>
+      </p:sp>
+      <p:sp>
+        <p:nvSpPr>
+          <p:cNvPr id="4" name="Subtitle 3">
+            <a:extLst>
+              <a:ext uri="{FF2B5EF4-FFF2-40B4-BE49-F238E27FC236}">
+                <a16:creationId xmlns:a16="http://schemas.microsoft.com/office/drawing/2014/main" id="{0C2401B8-2F41-C247-B2C0-AD677568B930}"/>
+              </a:ext>
+            </a:extLst>
+          </p:cNvPr>
+          <p:cNvSpPr>
+            <a:spLocks noGrp="1"/>
+          </p:cNvSpPr>
+          <p:nvPr>
+            <p:ph type="subTitle" idx="1"/>
+          </p:nvPr>
+        </p:nvSpPr>
+        <p:spPr/>
+        <p:txBody>
+          <a:bodyPr/>
+          <a:lstStyle/>
+          <a:p>
+            <a:r>
+              <a:rPr lang="en-US"/>
+              <a:t>Questions?</a:t>
+            </a:r>
+          </a:p>
+        </p:txBody>
+      </p:sp>
+    </p:spTree>
+    <p:extLst>
+      <p:ext uri="{BB962C8B-B14F-4D97-AF65-F5344CB8AC3E}">
+        <p14:creationId xmlns:p14="http://schemas.microsoft.com/office/powerpoint/2010/main" val="3272588446"/>
       </p:ext>
     </p:extLst>
   </p:cSld>
@@ -12120,19 +12926,11 @@
             </a:r>
             <a:r>
               <a:rPr lang="es-ES" dirty="0"/>
-              <a:t>, </a:t>
+              <a:t> &amp; </a:t>
             </a:r>
             <a:r>
               <a:rPr lang="es-ES" dirty="0" err="1"/>
               <a:t>Preprocessing</a:t>
-            </a:r>
-            <a:r>
-              <a:rPr lang="es-ES" dirty="0"/>
-              <a:t> &amp; </a:t>
-            </a:r>
-            <a:r>
-              <a:rPr lang="es-ES" dirty="0" err="1"/>
-              <a:t>Augmentation</a:t>
             </a:r>
             <a:r>
               <a:rPr lang="es-ES" dirty="0"/>
